--- a/Lectures/Causality2.pptx
+++ b/Lectures/Causality2.pptx
@@ -154,6 +154,22 @@
       </a:defRPr>
     </a:lvl9pPr>
   </p:defaultTextStyle>
+  <p:extLst>
+    <p:ext uri="{EFAFB233-063F-42B5-8137-9DF3F51BA10A}">
+      <p15:sldGuideLst xmlns:p15="http://schemas.microsoft.com/office/powerpoint/2012/main">
+        <p15:guide id="1" orient="horz" pos="2160">
+          <p15:clr>
+            <a:srgbClr val="A4A3A4"/>
+          </p15:clr>
+        </p15:guide>
+        <p15:guide id="2" pos="583">
+          <p15:clr>
+            <a:srgbClr val="A4A3A4"/>
+          </p15:clr>
+        </p15:guide>
+      </p15:sldGuideLst>
+    </p:ext>
+  </p:extLst>
 </p:presentation>
 </file>
 
@@ -239,7 +255,7 @@
           <a:p>
             <a:fld id="{D3AAB66F-B1B7-D045-B4E8-4F60236F228D}" type="datetimeFigureOut">
               <a:rPr lang="en-US" smtClean="0"/>
-              <a:t>6/13/16</a:t>
+              <a:t>4/15/17</a:t>
             </a:fld>
             <a:endParaRPr lang="en-US"/>
           </a:p>
@@ -405,7 +421,7 @@
           <a:p>
             <a:fld id="{BCCF8E76-06A6-164E-A6FA-EC32C13EB232}" type="datetimeFigureOut">
               <a:rPr lang="en-US" smtClean="0"/>
-              <a:t>6/13/16</a:t>
+              <a:t>4/15/17</a:t>
             </a:fld>
             <a:endParaRPr lang="en-US"/>
           </a:p>
@@ -988,15 +1004,18 @@
           <a:noFill/>
           <a:ln/>
           <a:extLst>
+            <a:ext uri="{FAA26D3D-D897-4be2-8F04-BA451C77F1D7}">
+              <ma14:placeholderFlag xmlns:ma14="http://schemas.microsoft.com/office/mac/drawingml/2011/main" val="1"/>
+            </a:ext>
             <a:ext uri="{909E8E84-426E-40dd-AFC4-6F175D3DCCD1}">
-              <a14:hiddenFill xmlns:a14="http://schemas.microsoft.com/office/drawing/2010/main">
+              <a14:hiddenFill xmlns:a14="http://schemas.microsoft.com/office/drawing/2010/main" xmlns="">
                 <a:solidFill>
                   <a:srgbClr val="FFFFFF"/>
                 </a:solidFill>
               </a14:hiddenFill>
             </a:ext>
             <a:ext uri="{91240B29-F687-4f45-9708-019B960494DF}">
-              <a14:hiddenLine xmlns:a14="http://schemas.microsoft.com/office/drawing/2010/main" w="9525">
+              <a14:hiddenLine xmlns:a14="http://schemas.microsoft.com/office/drawing/2010/main" xmlns="" w="9525">
                 <a:solidFill>
                   <a:srgbClr val="000000"/>
                 </a:solidFill>
@@ -1005,9 +1024,6 @@
                 <a:tailEnd/>
               </a14:hiddenLine>
             </a:ext>
-            <a:ext uri="{FAA26D3D-D897-4be2-8F04-BA451C77F1D7}">
-              <ma14:placeholderFlag xmlns:ma14="http://schemas.microsoft.com/office/mac/drawingml/2011/main" val="1"/>
-            </a:ext>
           </a:extLst>
         </p:spPr>
         <p:txBody>
@@ -1034,14 +1050,14 @@
           <a:ln/>
           <a:extLst>
             <a:ext uri="{909E8E84-426E-40dd-AFC4-6F175D3DCCD1}">
-              <a14:hiddenFill xmlns:a14="http://schemas.microsoft.com/office/drawing/2010/main">
+              <a14:hiddenFill xmlns:a14="http://schemas.microsoft.com/office/drawing/2010/main" xmlns="">
                 <a:solidFill>
                   <a:srgbClr val="FFFFFF"/>
                 </a:solidFill>
               </a14:hiddenFill>
             </a:ext>
             <a:ext uri="{91240B29-F687-4f45-9708-019B960494DF}">
-              <a14:hiddenLine xmlns:a14="http://schemas.microsoft.com/office/drawing/2010/main" w="9525">
+              <a14:hiddenLine xmlns:a14="http://schemas.microsoft.com/office/drawing/2010/main" xmlns="" w="9525">
                 <a:solidFill>
                   <a:srgbClr val="000000"/>
                 </a:solidFill>
@@ -1233,15 +1249,18 @@
           <a:noFill/>
           <a:ln/>
           <a:extLst>
+            <a:ext uri="{FAA26D3D-D897-4be2-8F04-BA451C77F1D7}">
+              <ma14:placeholderFlag xmlns:ma14="http://schemas.microsoft.com/office/mac/drawingml/2011/main" val="1"/>
+            </a:ext>
             <a:ext uri="{909E8E84-426E-40dd-AFC4-6F175D3DCCD1}">
-              <a14:hiddenFill xmlns:a14="http://schemas.microsoft.com/office/drawing/2010/main">
+              <a14:hiddenFill xmlns:a14="http://schemas.microsoft.com/office/drawing/2010/main" xmlns="">
                 <a:solidFill>
                   <a:srgbClr val="FFFFFF"/>
                 </a:solidFill>
               </a14:hiddenFill>
             </a:ext>
             <a:ext uri="{91240B29-F687-4f45-9708-019B960494DF}">
-              <a14:hiddenLine xmlns:a14="http://schemas.microsoft.com/office/drawing/2010/main" w="9525">
+              <a14:hiddenLine xmlns:a14="http://schemas.microsoft.com/office/drawing/2010/main" xmlns="" w="9525">
                 <a:solidFill>
                   <a:srgbClr val="000000"/>
                 </a:solidFill>
@@ -1250,9 +1269,6 @@
                 <a:tailEnd/>
               </a14:hiddenLine>
             </a:ext>
-            <a:ext uri="{FAA26D3D-D897-4be2-8F04-BA451C77F1D7}">
-              <ma14:placeholderFlag xmlns:ma14="http://schemas.microsoft.com/office/mac/drawingml/2011/main" val="1"/>
-            </a:ext>
           </a:extLst>
         </p:spPr>
         <p:txBody>
@@ -1279,14 +1295,14 @@
           <a:ln/>
           <a:extLst>
             <a:ext uri="{909E8E84-426E-40dd-AFC4-6F175D3DCCD1}">
-              <a14:hiddenFill xmlns:a14="http://schemas.microsoft.com/office/drawing/2010/main">
+              <a14:hiddenFill xmlns:a14="http://schemas.microsoft.com/office/drawing/2010/main" xmlns="">
                 <a:solidFill>
                   <a:srgbClr val="FFFFFF"/>
                 </a:solidFill>
               </a14:hiddenFill>
             </a:ext>
             <a:ext uri="{91240B29-F687-4f45-9708-019B960494DF}">
-              <a14:hiddenLine xmlns:a14="http://schemas.microsoft.com/office/drawing/2010/main" w="9525">
+              <a14:hiddenLine xmlns:a14="http://schemas.microsoft.com/office/drawing/2010/main" xmlns="" w="9525">
                 <a:solidFill>
                   <a:srgbClr val="000000"/>
                 </a:solidFill>
@@ -1478,15 +1494,18 @@
           <a:noFill/>
           <a:ln/>
           <a:extLst>
+            <a:ext uri="{FAA26D3D-D897-4be2-8F04-BA451C77F1D7}">
+              <ma14:placeholderFlag xmlns:ma14="http://schemas.microsoft.com/office/mac/drawingml/2011/main" val="1"/>
+            </a:ext>
             <a:ext uri="{909E8E84-426E-40dd-AFC4-6F175D3DCCD1}">
-              <a14:hiddenFill xmlns:a14="http://schemas.microsoft.com/office/drawing/2010/main">
+              <a14:hiddenFill xmlns:a14="http://schemas.microsoft.com/office/drawing/2010/main" xmlns="">
                 <a:solidFill>
                   <a:srgbClr val="FFFFFF"/>
                 </a:solidFill>
               </a14:hiddenFill>
             </a:ext>
             <a:ext uri="{91240B29-F687-4f45-9708-019B960494DF}">
-              <a14:hiddenLine xmlns:a14="http://schemas.microsoft.com/office/drawing/2010/main" w="9525">
+              <a14:hiddenLine xmlns:a14="http://schemas.microsoft.com/office/drawing/2010/main" xmlns="" w="9525">
                 <a:solidFill>
                   <a:srgbClr val="000000"/>
                 </a:solidFill>
@@ -1495,9 +1514,6 @@
                 <a:tailEnd/>
               </a14:hiddenLine>
             </a:ext>
-            <a:ext uri="{FAA26D3D-D897-4be2-8F04-BA451C77F1D7}">
-              <ma14:placeholderFlag xmlns:ma14="http://schemas.microsoft.com/office/mac/drawingml/2011/main" val="1"/>
-            </a:ext>
           </a:extLst>
         </p:spPr>
         <p:txBody>
@@ -1524,14 +1540,14 @@
           <a:ln/>
           <a:extLst>
             <a:ext uri="{909E8E84-426E-40dd-AFC4-6F175D3DCCD1}">
-              <a14:hiddenFill xmlns:a14="http://schemas.microsoft.com/office/drawing/2010/main">
+              <a14:hiddenFill xmlns:a14="http://schemas.microsoft.com/office/drawing/2010/main" xmlns="">
                 <a:solidFill>
                   <a:srgbClr val="FFFFFF"/>
                 </a:solidFill>
               </a14:hiddenFill>
             </a:ext>
             <a:ext uri="{91240B29-F687-4f45-9708-019B960494DF}">
-              <a14:hiddenLine xmlns:a14="http://schemas.microsoft.com/office/drawing/2010/main" w="9525">
+              <a14:hiddenLine xmlns:a14="http://schemas.microsoft.com/office/drawing/2010/main" xmlns="" w="9525">
                 <a:solidFill>
                   <a:srgbClr val="000000"/>
                 </a:solidFill>
@@ -1723,15 +1739,18 @@
           <a:noFill/>
           <a:ln/>
           <a:extLst>
+            <a:ext uri="{FAA26D3D-D897-4be2-8F04-BA451C77F1D7}">
+              <ma14:placeholderFlag xmlns:ma14="http://schemas.microsoft.com/office/mac/drawingml/2011/main" val="1"/>
+            </a:ext>
             <a:ext uri="{909E8E84-426E-40dd-AFC4-6F175D3DCCD1}">
-              <a14:hiddenFill xmlns:a14="http://schemas.microsoft.com/office/drawing/2010/main">
+              <a14:hiddenFill xmlns:a14="http://schemas.microsoft.com/office/drawing/2010/main" xmlns="">
                 <a:solidFill>
                   <a:srgbClr val="FFFFFF"/>
                 </a:solidFill>
               </a14:hiddenFill>
             </a:ext>
             <a:ext uri="{91240B29-F687-4f45-9708-019B960494DF}">
-              <a14:hiddenLine xmlns:a14="http://schemas.microsoft.com/office/drawing/2010/main" w="9525">
+              <a14:hiddenLine xmlns:a14="http://schemas.microsoft.com/office/drawing/2010/main" xmlns="" w="9525">
                 <a:solidFill>
                   <a:srgbClr val="000000"/>
                 </a:solidFill>
@@ -1740,9 +1759,6 @@
                 <a:tailEnd/>
               </a14:hiddenLine>
             </a:ext>
-            <a:ext uri="{FAA26D3D-D897-4be2-8F04-BA451C77F1D7}">
-              <ma14:placeholderFlag xmlns:ma14="http://schemas.microsoft.com/office/mac/drawingml/2011/main" val="1"/>
-            </a:ext>
           </a:extLst>
         </p:spPr>
         <p:txBody>
@@ -1769,14 +1785,14 @@
           <a:ln/>
           <a:extLst>
             <a:ext uri="{909E8E84-426E-40dd-AFC4-6F175D3DCCD1}">
-              <a14:hiddenFill xmlns:a14="http://schemas.microsoft.com/office/drawing/2010/main">
+              <a14:hiddenFill xmlns:a14="http://schemas.microsoft.com/office/drawing/2010/main" xmlns="">
                 <a:solidFill>
                   <a:srgbClr val="FFFFFF"/>
                 </a:solidFill>
               </a14:hiddenFill>
             </a:ext>
             <a:ext uri="{91240B29-F687-4f45-9708-019B960494DF}">
-              <a14:hiddenLine xmlns:a14="http://schemas.microsoft.com/office/drawing/2010/main" w="9525">
+              <a14:hiddenLine xmlns:a14="http://schemas.microsoft.com/office/drawing/2010/main" xmlns="" w="9525">
                 <a:solidFill>
                   <a:srgbClr val="000000"/>
                 </a:solidFill>
@@ -1968,15 +1984,18 @@
           <a:noFill/>
           <a:ln/>
           <a:extLst>
+            <a:ext uri="{FAA26D3D-D897-4be2-8F04-BA451C77F1D7}">
+              <ma14:placeholderFlag xmlns:ma14="http://schemas.microsoft.com/office/mac/drawingml/2011/main" val="1"/>
+            </a:ext>
             <a:ext uri="{909E8E84-426E-40dd-AFC4-6F175D3DCCD1}">
-              <a14:hiddenFill xmlns:a14="http://schemas.microsoft.com/office/drawing/2010/main">
+              <a14:hiddenFill xmlns:a14="http://schemas.microsoft.com/office/drawing/2010/main" xmlns="">
                 <a:solidFill>
                   <a:srgbClr val="FFFFFF"/>
                 </a:solidFill>
               </a14:hiddenFill>
             </a:ext>
             <a:ext uri="{91240B29-F687-4f45-9708-019B960494DF}">
-              <a14:hiddenLine xmlns:a14="http://schemas.microsoft.com/office/drawing/2010/main" w="9525">
+              <a14:hiddenLine xmlns:a14="http://schemas.microsoft.com/office/drawing/2010/main" xmlns="" w="9525">
                 <a:solidFill>
                   <a:srgbClr val="000000"/>
                 </a:solidFill>
@@ -1985,9 +2004,6 @@
                 <a:tailEnd/>
               </a14:hiddenLine>
             </a:ext>
-            <a:ext uri="{FAA26D3D-D897-4be2-8F04-BA451C77F1D7}">
-              <ma14:placeholderFlag xmlns:ma14="http://schemas.microsoft.com/office/mac/drawingml/2011/main" val="1"/>
-            </a:ext>
           </a:extLst>
         </p:spPr>
         <p:txBody>
@@ -2014,14 +2030,14 @@
           <a:ln/>
           <a:extLst>
             <a:ext uri="{909E8E84-426E-40dd-AFC4-6F175D3DCCD1}">
-              <a14:hiddenFill xmlns:a14="http://schemas.microsoft.com/office/drawing/2010/main">
+              <a14:hiddenFill xmlns:a14="http://schemas.microsoft.com/office/drawing/2010/main" xmlns="">
                 <a:solidFill>
                   <a:srgbClr val="FFFFFF"/>
                 </a:solidFill>
               </a14:hiddenFill>
             </a:ext>
             <a:ext uri="{91240B29-F687-4f45-9708-019B960494DF}">
-              <a14:hiddenLine xmlns:a14="http://schemas.microsoft.com/office/drawing/2010/main" w="9525">
+              <a14:hiddenLine xmlns:a14="http://schemas.microsoft.com/office/drawing/2010/main" xmlns="" w="9525">
                 <a:solidFill>
                   <a:srgbClr val="000000"/>
                 </a:solidFill>
@@ -2213,15 +2229,18 @@
           <a:noFill/>
           <a:ln/>
           <a:extLst>
+            <a:ext uri="{FAA26D3D-D897-4be2-8F04-BA451C77F1D7}">
+              <ma14:placeholderFlag xmlns:ma14="http://schemas.microsoft.com/office/mac/drawingml/2011/main" val="1"/>
+            </a:ext>
             <a:ext uri="{909E8E84-426E-40dd-AFC4-6F175D3DCCD1}">
-              <a14:hiddenFill xmlns:a14="http://schemas.microsoft.com/office/drawing/2010/main">
+              <a14:hiddenFill xmlns:a14="http://schemas.microsoft.com/office/drawing/2010/main" xmlns="">
                 <a:solidFill>
                   <a:srgbClr val="FFFFFF"/>
                 </a:solidFill>
               </a14:hiddenFill>
             </a:ext>
             <a:ext uri="{91240B29-F687-4f45-9708-019B960494DF}">
-              <a14:hiddenLine xmlns:a14="http://schemas.microsoft.com/office/drawing/2010/main" w="9525">
+              <a14:hiddenLine xmlns:a14="http://schemas.microsoft.com/office/drawing/2010/main" xmlns="" w="9525">
                 <a:solidFill>
                   <a:srgbClr val="000000"/>
                 </a:solidFill>
@@ -2230,9 +2249,6 @@
                 <a:tailEnd/>
               </a14:hiddenLine>
             </a:ext>
-            <a:ext uri="{FAA26D3D-D897-4be2-8F04-BA451C77F1D7}">
-              <ma14:placeholderFlag xmlns:ma14="http://schemas.microsoft.com/office/mac/drawingml/2011/main" val="1"/>
-            </a:ext>
           </a:extLst>
         </p:spPr>
         <p:txBody>
@@ -2259,14 +2275,14 @@
           <a:ln/>
           <a:extLst>
             <a:ext uri="{909E8E84-426E-40dd-AFC4-6F175D3DCCD1}">
-              <a14:hiddenFill xmlns:a14="http://schemas.microsoft.com/office/drawing/2010/main">
+              <a14:hiddenFill xmlns:a14="http://schemas.microsoft.com/office/drawing/2010/main" xmlns="">
                 <a:solidFill>
                   <a:srgbClr val="FFFFFF"/>
                 </a:solidFill>
               </a14:hiddenFill>
             </a:ext>
             <a:ext uri="{91240B29-F687-4f45-9708-019B960494DF}">
-              <a14:hiddenLine xmlns:a14="http://schemas.microsoft.com/office/drawing/2010/main" w="9525">
+              <a14:hiddenLine xmlns:a14="http://schemas.microsoft.com/office/drawing/2010/main" xmlns="" w="9525">
                 <a:solidFill>
                   <a:srgbClr val="000000"/>
                 </a:solidFill>
@@ -2445,14 +2461,14 @@
           <a:ln/>
           <a:extLst>
             <a:ext uri="{909E8E84-426E-40dd-AFC4-6F175D3DCCD1}">
-              <a14:hiddenFill xmlns:a14="http://schemas.microsoft.com/office/drawing/2010/main">
+              <a14:hiddenFill xmlns:a14="http://schemas.microsoft.com/office/drawing/2010/main" xmlns="">
                 <a:solidFill>
                   <a:srgbClr val="FFFFFF"/>
                 </a:solidFill>
               </a14:hiddenFill>
             </a:ext>
             <a:ext uri="{91240B29-F687-4f45-9708-019B960494DF}">
-              <a14:hiddenLine xmlns:a14="http://schemas.microsoft.com/office/drawing/2010/main" w="9525">
+              <a14:hiddenLine xmlns:a14="http://schemas.microsoft.com/office/drawing/2010/main" xmlns="" w="9525">
                 <a:solidFill>
                   <a:srgbClr val="000000"/>
                 </a:solidFill>
@@ -2619,15 +2635,18 @@
           <a:noFill/>
           <a:ln/>
           <a:extLst>
+            <a:ext uri="{FAA26D3D-D897-4be2-8F04-BA451C77F1D7}">
+              <ma14:placeholderFlag xmlns:ma14="http://schemas.microsoft.com/office/mac/drawingml/2011/main" val="1"/>
+            </a:ext>
             <a:ext uri="{909E8E84-426E-40dd-AFC4-6F175D3DCCD1}">
-              <a14:hiddenFill xmlns:a14="http://schemas.microsoft.com/office/drawing/2010/main">
+              <a14:hiddenFill xmlns:a14="http://schemas.microsoft.com/office/drawing/2010/main" xmlns="">
                 <a:solidFill>
                   <a:srgbClr val="FFFFFF"/>
                 </a:solidFill>
               </a14:hiddenFill>
             </a:ext>
             <a:ext uri="{91240B29-F687-4f45-9708-019B960494DF}">
-              <a14:hiddenLine xmlns:a14="http://schemas.microsoft.com/office/drawing/2010/main" w="9525">
+              <a14:hiddenLine xmlns:a14="http://schemas.microsoft.com/office/drawing/2010/main" xmlns="" w="9525">
                 <a:solidFill>
                   <a:srgbClr val="000000"/>
                 </a:solidFill>
@@ -2635,9 +2654,6 @@
                 <a:headEnd/>
                 <a:tailEnd/>
               </a14:hiddenLine>
-            </a:ext>
-            <a:ext uri="{FAA26D3D-D897-4be2-8F04-BA451C77F1D7}">
-              <ma14:placeholderFlag xmlns:ma14="http://schemas.microsoft.com/office/mac/drawingml/2011/main" val="1"/>
             </a:ext>
           </a:extLst>
         </p:spPr>
@@ -2690,14 +2706,14 @@
           <a:ln/>
           <a:extLst>
             <a:ext uri="{909E8E84-426E-40dd-AFC4-6F175D3DCCD1}">
-              <a14:hiddenFill xmlns:a14="http://schemas.microsoft.com/office/drawing/2010/main">
+              <a14:hiddenFill xmlns:a14="http://schemas.microsoft.com/office/drawing/2010/main" xmlns="">
                 <a:solidFill>
                   <a:srgbClr val="FFFFFF"/>
                 </a:solidFill>
               </a14:hiddenFill>
             </a:ext>
             <a:ext uri="{91240B29-F687-4f45-9708-019B960494DF}">
-              <a14:hiddenLine xmlns:a14="http://schemas.microsoft.com/office/drawing/2010/main" w="9525">
+              <a14:hiddenLine xmlns:a14="http://schemas.microsoft.com/office/drawing/2010/main" xmlns="" w="9525">
                 <a:solidFill>
                   <a:srgbClr val="000000"/>
                 </a:solidFill>
@@ -2864,15 +2880,18 @@
           <a:noFill/>
           <a:ln/>
           <a:extLst>
+            <a:ext uri="{FAA26D3D-D897-4be2-8F04-BA451C77F1D7}">
+              <ma14:placeholderFlag xmlns:ma14="http://schemas.microsoft.com/office/mac/drawingml/2011/main" val="1"/>
+            </a:ext>
             <a:ext uri="{909E8E84-426E-40dd-AFC4-6F175D3DCCD1}">
-              <a14:hiddenFill xmlns:a14="http://schemas.microsoft.com/office/drawing/2010/main">
+              <a14:hiddenFill xmlns:a14="http://schemas.microsoft.com/office/drawing/2010/main" xmlns="">
                 <a:solidFill>
                   <a:srgbClr val="FFFFFF"/>
                 </a:solidFill>
               </a14:hiddenFill>
             </a:ext>
             <a:ext uri="{91240B29-F687-4f45-9708-019B960494DF}">
-              <a14:hiddenLine xmlns:a14="http://schemas.microsoft.com/office/drawing/2010/main" w="9525">
+              <a14:hiddenLine xmlns:a14="http://schemas.microsoft.com/office/drawing/2010/main" xmlns="" w="9525">
                 <a:solidFill>
                   <a:srgbClr val="000000"/>
                 </a:solidFill>
@@ -2880,9 +2899,6 @@
                 <a:headEnd/>
                 <a:tailEnd/>
               </a14:hiddenLine>
-            </a:ext>
-            <a:ext uri="{FAA26D3D-D897-4be2-8F04-BA451C77F1D7}">
-              <ma14:placeholderFlag xmlns:ma14="http://schemas.microsoft.com/office/mac/drawingml/2011/main" val="1"/>
             </a:ext>
           </a:extLst>
         </p:spPr>
@@ -3036,14 +3052,14 @@
           <a:ln/>
           <a:extLst>
             <a:ext uri="{909E8E84-426E-40dd-AFC4-6F175D3DCCD1}">
-              <a14:hiddenFill xmlns:a14="http://schemas.microsoft.com/office/drawing/2010/main">
+              <a14:hiddenFill xmlns:a14="http://schemas.microsoft.com/office/drawing/2010/main" xmlns="">
                 <a:solidFill>
                   <a:srgbClr val="FFFFFF"/>
                 </a:solidFill>
               </a14:hiddenFill>
             </a:ext>
             <a:ext uri="{91240B29-F687-4f45-9708-019B960494DF}">
-              <a14:hiddenLine xmlns:a14="http://schemas.microsoft.com/office/drawing/2010/main" w="9525">
+              <a14:hiddenLine xmlns:a14="http://schemas.microsoft.com/office/drawing/2010/main" xmlns="" w="9525">
                 <a:solidFill>
                   <a:srgbClr val="000000"/>
                 </a:solidFill>
@@ -3210,15 +3226,18 @@
           <a:noFill/>
           <a:ln/>
           <a:extLst>
+            <a:ext uri="{FAA26D3D-D897-4be2-8F04-BA451C77F1D7}">
+              <ma14:placeholderFlag xmlns:ma14="http://schemas.microsoft.com/office/mac/drawingml/2011/main" val="1"/>
+            </a:ext>
             <a:ext uri="{909E8E84-426E-40dd-AFC4-6F175D3DCCD1}">
-              <a14:hiddenFill xmlns:a14="http://schemas.microsoft.com/office/drawing/2010/main">
+              <a14:hiddenFill xmlns:a14="http://schemas.microsoft.com/office/drawing/2010/main" xmlns="">
                 <a:solidFill>
                   <a:srgbClr val="FFFFFF"/>
                 </a:solidFill>
               </a14:hiddenFill>
             </a:ext>
             <a:ext uri="{91240B29-F687-4f45-9708-019B960494DF}">
-              <a14:hiddenLine xmlns:a14="http://schemas.microsoft.com/office/drawing/2010/main" w="9525">
+              <a14:hiddenLine xmlns:a14="http://schemas.microsoft.com/office/drawing/2010/main" xmlns="" w="9525">
                 <a:solidFill>
                   <a:srgbClr val="000000"/>
                 </a:solidFill>
@@ -3226,9 +3245,6 @@
                 <a:headEnd/>
                 <a:tailEnd/>
               </a14:hiddenLine>
-            </a:ext>
-            <a:ext uri="{FAA26D3D-D897-4be2-8F04-BA451C77F1D7}">
-              <ma14:placeholderFlag xmlns:ma14="http://schemas.microsoft.com/office/mac/drawingml/2011/main" val="1"/>
             </a:ext>
           </a:extLst>
         </p:spPr>
@@ -3281,14 +3297,14 @@
           <a:ln/>
           <a:extLst>
             <a:ext uri="{909E8E84-426E-40dd-AFC4-6F175D3DCCD1}">
-              <a14:hiddenFill xmlns:a14="http://schemas.microsoft.com/office/drawing/2010/main">
+              <a14:hiddenFill xmlns:a14="http://schemas.microsoft.com/office/drawing/2010/main" xmlns="">
                 <a:solidFill>
                   <a:srgbClr val="FFFFFF"/>
                 </a:solidFill>
               </a14:hiddenFill>
             </a:ext>
             <a:ext uri="{91240B29-F687-4f45-9708-019B960494DF}">
-              <a14:hiddenLine xmlns:a14="http://schemas.microsoft.com/office/drawing/2010/main" w="9525">
+              <a14:hiddenLine xmlns:a14="http://schemas.microsoft.com/office/drawing/2010/main" xmlns="" w="9525">
                 <a:solidFill>
                   <a:srgbClr val="000000"/>
                 </a:solidFill>
@@ -3455,15 +3471,18 @@
           <a:noFill/>
           <a:ln/>
           <a:extLst>
+            <a:ext uri="{FAA26D3D-D897-4be2-8F04-BA451C77F1D7}">
+              <ma14:placeholderFlag xmlns:ma14="http://schemas.microsoft.com/office/mac/drawingml/2011/main" val="1"/>
+            </a:ext>
             <a:ext uri="{909E8E84-426E-40dd-AFC4-6F175D3DCCD1}">
-              <a14:hiddenFill xmlns:a14="http://schemas.microsoft.com/office/drawing/2010/main">
+              <a14:hiddenFill xmlns:a14="http://schemas.microsoft.com/office/drawing/2010/main" xmlns="">
                 <a:solidFill>
                   <a:srgbClr val="FFFFFF"/>
                 </a:solidFill>
               </a14:hiddenFill>
             </a:ext>
             <a:ext uri="{91240B29-F687-4f45-9708-019B960494DF}">
-              <a14:hiddenLine xmlns:a14="http://schemas.microsoft.com/office/drawing/2010/main" w="9525">
+              <a14:hiddenLine xmlns:a14="http://schemas.microsoft.com/office/drawing/2010/main" xmlns="" w="9525">
                 <a:solidFill>
                   <a:srgbClr val="000000"/>
                 </a:solidFill>
@@ -3471,9 +3490,6 @@
                 <a:headEnd/>
                 <a:tailEnd/>
               </a14:hiddenLine>
-            </a:ext>
-            <a:ext uri="{FAA26D3D-D897-4be2-8F04-BA451C77F1D7}">
-              <ma14:placeholderFlag xmlns:ma14="http://schemas.microsoft.com/office/mac/drawingml/2011/main" val="1"/>
             </a:ext>
           </a:extLst>
         </p:spPr>
@@ -3526,14 +3542,14 @@
           <a:ln/>
           <a:extLst>
             <a:ext uri="{909E8E84-426E-40dd-AFC4-6F175D3DCCD1}">
-              <a14:hiddenFill xmlns:a14="http://schemas.microsoft.com/office/drawing/2010/main">
+              <a14:hiddenFill xmlns:a14="http://schemas.microsoft.com/office/drawing/2010/main" xmlns="">
                 <a:solidFill>
                   <a:srgbClr val="FFFFFF"/>
                 </a:solidFill>
               </a14:hiddenFill>
             </a:ext>
             <a:ext uri="{91240B29-F687-4f45-9708-019B960494DF}">
-              <a14:hiddenLine xmlns:a14="http://schemas.microsoft.com/office/drawing/2010/main" w="9525">
+              <a14:hiddenLine xmlns:a14="http://schemas.microsoft.com/office/drawing/2010/main" xmlns="" w="9525">
                 <a:solidFill>
                   <a:srgbClr val="000000"/>
                 </a:solidFill>
@@ -3700,15 +3716,18 @@
           <a:noFill/>
           <a:ln/>
           <a:extLst>
+            <a:ext uri="{FAA26D3D-D897-4be2-8F04-BA451C77F1D7}">
+              <ma14:placeholderFlag xmlns:ma14="http://schemas.microsoft.com/office/mac/drawingml/2011/main" val="1"/>
+            </a:ext>
             <a:ext uri="{909E8E84-426E-40dd-AFC4-6F175D3DCCD1}">
-              <a14:hiddenFill xmlns:a14="http://schemas.microsoft.com/office/drawing/2010/main">
+              <a14:hiddenFill xmlns:a14="http://schemas.microsoft.com/office/drawing/2010/main" xmlns="">
                 <a:solidFill>
                   <a:srgbClr val="FFFFFF"/>
                 </a:solidFill>
               </a14:hiddenFill>
             </a:ext>
             <a:ext uri="{91240B29-F687-4f45-9708-019B960494DF}">
-              <a14:hiddenLine xmlns:a14="http://schemas.microsoft.com/office/drawing/2010/main" w="9525">
+              <a14:hiddenLine xmlns:a14="http://schemas.microsoft.com/office/drawing/2010/main" xmlns="" w="9525">
                 <a:solidFill>
                   <a:srgbClr val="000000"/>
                 </a:solidFill>
@@ -3716,9 +3735,6 @@
                 <a:headEnd/>
                 <a:tailEnd/>
               </a14:hiddenLine>
-            </a:ext>
-            <a:ext uri="{FAA26D3D-D897-4be2-8F04-BA451C77F1D7}">
-              <ma14:placeholderFlag xmlns:ma14="http://schemas.microsoft.com/office/mac/drawingml/2011/main" val="1"/>
             </a:ext>
           </a:extLst>
         </p:spPr>
@@ -3771,14 +3787,14 @@
           <a:ln/>
           <a:extLst>
             <a:ext uri="{909E8E84-426E-40dd-AFC4-6F175D3DCCD1}">
-              <a14:hiddenFill xmlns:a14="http://schemas.microsoft.com/office/drawing/2010/main">
+              <a14:hiddenFill xmlns:a14="http://schemas.microsoft.com/office/drawing/2010/main" xmlns="">
                 <a:solidFill>
                   <a:srgbClr val="FFFFFF"/>
                 </a:solidFill>
               </a14:hiddenFill>
             </a:ext>
             <a:ext uri="{91240B29-F687-4f45-9708-019B960494DF}">
-              <a14:hiddenLine xmlns:a14="http://schemas.microsoft.com/office/drawing/2010/main" w="9525">
+              <a14:hiddenLine xmlns:a14="http://schemas.microsoft.com/office/drawing/2010/main" xmlns="" w="9525">
                 <a:solidFill>
                   <a:srgbClr val="000000"/>
                 </a:solidFill>
@@ -3945,15 +3961,18 @@
           <a:noFill/>
           <a:ln/>
           <a:extLst>
+            <a:ext uri="{FAA26D3D-D897-4be2-8F04-BA451C77F1D7}">
+              <ma14:placeholderFlag xmlns:ma14="http://schemas.microsoft.com/office/mac/drawingml/2011/main" val="1"/>
+            </a:ext>
             <a:ext uri="{909E8E84-426E-40dd-AFC4-6F175D3DCCD1}">
-              <a14:hiddenFill xmlns:a14="http://schemas.microsoft.com/office/drawing/2010/main">
+              <a14:hiddenFill xmlns:a14="http://schemas.microsoft.com/office/drawing/2010/main" xmlns="">
                 <a:solidFill>
                   <a:srgbClr val="FFFFFF"/>
                 </a:solidFill>
               </a14:hiddenFill>
             </a:ext>
             <a:ext uri="{91240B29-F687-4f45-9708-019B960494DF}">
-              <a14:hiddenLine xmlns:a14="http://schemas.microsoft.com/office/drawing/2010/main" w="9525">
+              <a14:hiddenLine xmlns:a14="http://schemas.microsoft.com/office/drawing/2010/main" xmlns="" w="9525">
                 <a:solidFill>
                   <a:srgbClr val="000000"/>
                 </a:solidFill>
@@ -3961,9 +3980,6 @@
                 <a:headEnd/>
                 <a:tailEnd/>
               </a14:hiddenLine>
-            </a:ext>
-            <a:ext uri="{FAA26D3D-D897-4be2-8F04-BA451C77F1D7}">
-              <ma14:placeholderFlag xmlns:ma14="http://schemas.microsoft.com/office/mac/drawingml/2011/main" val="1"/>
             </a:ext>
           </a:extLst>
         </p:spPr>
@@ -4016,14 +4032,14 @@
           <a:ln/>
           <a:extLst>
             <a:ext uri="{909E8E84-426E-40dd-AFC4-6F175D3DCCD1}">
-              <a14:hiddenFill xmlns:a14="http://schemas.microsoft.com/office/drawing/2010/main">
+              <a14:hiddenFill xmlns:a14="http://schemas.microsoft.com/office/drawing/2010/main" xmlns="">
                 <a:solidFill>
                   <a:srgbClr val="FFFFFF"/>
                 </a:solidFill>
               </a14:hiddenFill>
             </a:ext>
             <a:ext uri="{91240B29-F687-4f45-9708-019B960494DF}">
-              <a14:hiddenLine xmlns:a14="http://schemas.microsoft.com/office/drawing/2010/main" w="9525">
+              <a14:hiddenLine xmlns:a14="http://schemas.microsoft.com/office/drawing/2010/main" xmlns="" w="9525">
                 <a:solidFill>
                   <a:srgbClr val="000000"/>
                 </a:solidFill>
@@ -4190,15 +4206,18 @@
           <a:noFill/>
           <a:ln/>
           <a:extLst>
+            <a:ext uri="{FAA26D3D-D897-4be2-8F04-BA451C77F1D7}">
+              <ma14:placeholderFlag xmlns:ma14="http://schemas.microsoft.com/office/mac/drawingml/2011/main" val="1"/>
+            </a:ext>
             <a:ext uri="{909E8E84-426E-40dd-AFC4-6F175D3DCCD1}">
-              <a14:hiddenFill xmlns:a14="http://schemas.microsoft.com/office/drawing/2010/main">
+              <a14:hiddenFill xmlns:a14="http://schemas.microsoft.com/office/drawing/2010/main" xmlns="">
                 <a:solidFill>
                   <a:srgbClr val="FFFFFF"/>
                 </a:solidFill>
               </a14:hiddenFill>
             </a:ext>
             <a:ext uri="{91240B29-F687-4f45-9708-019B960494DF}">
-              <a14:hiddenLine xmlns:a14="http://schemas.microsoft.com/office/drawing/2010/main" w="9525">
+              <a14:hiddenLine xmlns:a14="http://schemas.microsoft.com/office/drawing/2010/main" xmlns="" w="9525">
                 <a:solidFill>
                   <a:srgbClr val="000000"/>
                 </a:solidFill>
@@ -4206,9 +4225,6 @@
                 <a:headEnd/>
                 <a:tailEnd/>
               </a14:hiddenLine>
-            </a:ext>
-            <a:ext uri="{FAA26D3D-D897-4be2-8F04-BA451C77F1D7}">
-              <ma14:placeholderFlag xmlns:ma14="http://schemas.microsoft.com/office/mac/drawingml/2011/main" val="1"/>
             </a:ext>
           </a:extLst>
         </p:spPr>
@@ -4261,14 +4277,14 @@
           <a:ln/>
           <a:extLst>
             <a:ext uri="{909E8E84-426E-40dd-AFC4-6F175D3DCCD1}">
-              <a14:hiddenFill xmlns:a14="http://schemas.microsoft.com/office/drawing/2010/main">
+              <a14:hiddenFill xmlns:a14="http://schemas.microsoft.com/office/drawing/2010/main" xmlns="">
                 <a:solidFill>
                   <a:srgbClr val="FFFFFF"/>
                 </a:solidFill>
               </a14:hiddenFill>
             </a:ext>
             <a:ext uri="{91240B29-F687-4f45-9708-019B960494DF}">
-              <a14:hiddenLine xmlns:a14="http://schemas.microsoft.com/office/drawing/2010/main" w="9525">
+              <a14:hiddenLine xmlns:a14="http://schemas.microsoft.com/office/drawing/2010/main" xmlns="" w="9525">
                 <a:solidFill>
                   <a:srgbClr val="000000"/>
                 </a:solidFill>
@@ -4435,15 +4451,18 @@
           <a:noFill/>
           <a:ln/>
           <a:extLst>
+            <a:ext uri="{FAA26D3D-D897-4be2-8F04-BA451C77F1D7}">
+              <ma14:placeholderFlag xmlns:ma14="http://schemas.microsoft.com/office/mac/drawingml/2011/main" val="1"/>
+            </a:ext>
             <a:ext uri="{909E8E84-426E-40dd-AFC4-6F175D3DCCD1}">
-              <a14:hiddenFill xmlns:a14="http://schemas.microsoft.com/office/drawing/2010/main">
+              <a14:hiddenFill xmlns:a14="http://schemas.microsoft.com/office/drawing/2010/main" xmlns="">
                 <a:solidFill>
                   <a:srgbClr val="FFFFFF"/>
                 </a:solidFill>
               </a14:hiddenFill>
             </a:ext>
             <a:ext uri="{91240B29-F687-4f45-9708-019B960494DF}">
-              <a14:hiddenLine xmlns:a14="http://schemas.microsoft.com/office/drawing/2010/main" w="9525">
+              <a14:hiddenLine xmlns:a14="http://schemas.microsoft.com/office/drawing/2010/main" xmlns="" w="9525">
                 <a:solidFill>
                   <a:srgbClr val="000000"/>
                 </a:solidFill>
@@ -4451,9 +4470,6 @@
                 <a:headEnd/>
                 <a:tailEnd/>
               </a14:hiddenLine>
-            </a:ext>
-            <a:ext uri="{FAA26D3D-D897-4be2-8F04-BA451C77F1D7}">
-              <ma14:placeholderFlag xmlns:ma14="http://schemas.microsoft.com/office/mac/drawingml/2011/main" val="1"/>
             </a:ext>
           </a:extLst>
         </p:spPr>
@@ -4506,14 +4522,14 @@
           <a:ln/>
           <a:extLst>
             <a:ext uri="{909E8E84-426E-40dd-AFC4-6F175D3DCCD1}">
-              <a14:hiddenFill xmlns:a14="http://schemas.microsoft.com/office/drawing/2010/main">
+              <a14:hiddenFill xmlns:a14="http://schemas.microsoft.com/office/drawing/2010/main" xmlns="">
                 <a:solidFill>
                   <a:srgbClr val="FFFFFF"/>
                 </a:solidFill>
               </a14:hiddenFill>
             </a:ext>
             <a:ext uri="{91240B29-F687-4f45-9708-019B960494DF}">
-              <a14:hiddenLine xmlns:a14="http://schemas.microsoft.com/office/drawing/2010/main" w="9525">
+              <a14:hiddenLine xmlns:a14="http://schemas.microsoft.com/office/drawing/2010/main" xmlns="" w="9525">
                 <a:solidFill>
                   <a:srgbClr val="000000"/>
                 </a:solidFill>
@@ -4680,15 +4696,18 @@
           <a:noFill/>
           <a:ln/>
           <a:extLst>
+            <a:ext uri="{FAA26D3D-D897-4be2-8F04-BA451C77F1D7}">
+              <ma14:placeholderFlag xmlns:ma14="http://schemas.microsoft.com/office/mac/drawingml/2011/main" val="1"/>
+            </a:ext>
             <a:ext uri="{909E8E84-426E-40dd-AFC4-6F175D3DCCD1}">
-              <a14:hiddenFill xmlns:a14="http://schemas.microsoft.com/office/drawing/2010/main">
+              <a14:hiddenFill xmlns:a14="http://schemas.microsoft.com/office/drawing/2010/main" xmlns="">
                 <a:solidFill>
                   <a:srgbClr val="FFFFFF"/>
                 </a:solidFill>
               </a14:hiddenFill>
             </a:ext>
             <a:ext uri="{91240B29-F687-4f45-9708-019B960494DF}">
-              <a14:hiddenLine xmlns:a14="http://schemas.microsoft.com/office/drawing/2010/main" w="9525">
+              <a14:hiddenLine xmlns:a14="http://schemas.microsoft.com/office/drawing/2010/main" xmlns="" w="9525">
                 <a:solidFill>
                   <a:srgbClr val="000000"/>
                 </a:solidFill>
@@ -4696,9 +4715,6 @@
                 <a:headEnd/>
                 <a:tailEnd/>
               </a14:hiddenLine>
-            </a:ext>
-            <a:ext uri="{FAA26D3D-D897-4be2-8F04-BA451C77F1D7}">
-              <ma14:placeholderFlag xmlns:ma14="http://schemas.microsoft.com/office/mac/drawingml/2011/main" val="1"/>
             </a:ext>
           </a:extLst>
         </p:spPr>
@@ -5378,14 +5394,14 @@
           <a:ln/>
           <a:extLst>
             <a:ext uri="{909E8E84-426E-40dd-AFC4-6F175D3DCCD1}">
-              <a14:hiddenFill xmlns:a14="http://schemas.microsoft.com/office/drawing/2010/main">
+              <a14:hiddenFill xmlns:a14="http://schemas.microsoft.com/office/drawing/2010/main" xmlns="">
                 <a:solidFill>
                   <a:srgbClr val="FFFFFF"/>
                 </a:solidFill>
               </a14:hiddenFill>
             </a:ext>
             <a:ext uri="{91240B29-F687-4f45-9708-019B960494DF}">
-              <a14:hiddenLine xmlns:a14="http://schemas.microsoft.com/office/drawing/2010/main" w="9525">
+              <a14:hiddenLine xmlns:a14="http://schemas.microsoft.com/office/drawing/2010/main" xmlns="" w="9525">
                 <a:solidFill>
                   <a:srgbClr val="000000"/>
                 </a:solidFill>
@@ -5544,14 +5560,14 @@
           <a:ln/>
           <a:extLst>
             <a:ext uri="{909E8E84-426E-40dd-AFC4-6F175D3DCCD1}">
-              <a14:hiddenFill xmlns:a14="http://schemas.microsoft.com/office/drawing/2010/main">
+              <a14:hiddenFill xmlns:a14="http://schemas.microsoft.com/office/drawing/2010/main" xmlns="">
                 <a:solidFill>
                   <a:srgbClr val="FFFFFF"/>
                 </a:solidFill>
               </a14:hiddenFill>
             </a:ext>
             <a:ext uri="{91240B29-F687-4f45-9708-019B960494DF}">
-              <a14:hiddenLine xmlns:a14="http://schemas.microsoft.com/office/drawing/2010/main" w="9525">
+              <a14:hiddenLine xmlns:a14="http://schemas.microsoft.com/office/drawing/2010/main" xmlns="" w="9525">
                 <a:solidFill>
                   <a:srgbClr val="000000"/>
                 </a:solidFill>
@@ -7337,7 +7353,7 @@
             <a:fld id="{FA3C144B-2939-9A49-B014-915EC3E81866}" type="datetime1">
               <a:rPr lang="en-US" smtClean="0"/>
               <a:pPr/>
-              <a:t>6/13/16</a:t>
+              <a:t>4/15/17</a:t>
             </a:fld>
             <a:endParaRPr lang="en-US" dirty="0"/>
           </a:p>
@@ -7766,7 +7782,7 @@
           <a:p>
             <a:fld id="{76838339-A875-5E45-AB3F-AAABD270346A}" type="datetime1">
               <a:rPr lang="en-US" smtClean="0"/>
-              <a:t>6/13/16</a:t>
+              <a:t>4/15/17</a:t>
             </a:fld>
             <a:endParaRPr lang="en-US"/>
           </a:p>
@@ -8052,7 +8068,7 @@
             <a:fld id="{FA3C144B-2939-9A49-B014-915EC3E81866}" type="datetime1">
               <a:rPr lang="en-US" smtClean="0"/>
               <a:pPr/>
-              <a:t>6/13/16</a:t>
+              <a:t>4/15/17</a:t>
             </a:fld>
             <a:endParaRPr lang="en-US" dirty="0"/>
           </a:p>
@@ -8534,7 +8550,7 @@
           <a:p>
             <a:fld id="{A73F672F-A5FB-5745-934A-1BF51CA5539C}" type="datetime1">
               <a:rPr lang="en-US" smtClean="0"/>
-              <a:t>6/13/16</a:t>
+              <a:t>4/15/17</a:t>
             </a:fld>
             <a:endParaRPr lang="en-US"/>
           </a:p>
@@ -8876,7 +8892,7 @@
             <a:fld id="{FA3C144B-2939-9A49-B014-915EC3E81866}" type="datetime1">
               <a:rPr lang="en-US" smtClean="0"/>
               <a:pPr/>
-              <a:t>6/13/16</a:t>
+              <a:t>4/15/17</a:t>
             </a:fld>
             <a:endParaRPr lang="en-US" dirty="0"/>
           </a:p>
@@ -9340,7 +9356,7 @@
           <a:p>
             <a:fld id="{6AFE6A63-5EBE-3E48-B0AE-DF655A1ECE76}" type="datetime1">
               <a:rPr lang="en-US" smtClean="0"/>
-              <a:t>6/13/16</a:t>
+              <a:t>4/15/17</a:t>
             </a:fld>
             <a:endParaRPr lang="en-US"/>
           </a:p>
@@ -9659,7 +9675,7 @@
           <a:p>
             <a:fld id="{4A019F0C-9D18-B54A-9AC9-18AA74EDB034}" type="datetime1">
               <a:rPr lang="en-US" smtClean="0"/>
-              <a:t>6/13/16</a:t>
+              <a:t>4/15/17</a:t>
             </a:fld>
             <a:endParaRPr lang="en-US"/>
           </a:p>
@@ -9969,7 +9985,7 @@
             <a:fld id="{FA3C144B-2939-9A49-B014-915EC3E81866}" type="datetime1">
               <a:rPr lang="en-US" smtClean="0"/>
               <a:pPr/>
-              <a:t>6/13/16</a:t>
+              <a:t>4/15/17</a:t>
             </a:fld>
             <a:endParaRPr lang="en-US" dirty="0"/>
           </a:p>
@@ -10232,7 +10248,7 @@
           <a:p>
             <a:fld id="{FA3C144B-2939-9A49-B014-915EC3E81866}" type="datetime1">
               <a:rPr lang="en-US" smtClean="0"/>
-              <a:t>6/13/16</a:t>
+              <a:t>4/15/17</a:t>
             </a:fld>
             <a:endParaRPr lang="en-US" dirty="0"/>
           </a:p>
@@ -10704,7 +10720,7 @@
           <a:p>
             <a:fld id="{7053BEFA-1175-F644-B249-7D41D72BD3FF}" type="datetime1">
               <a:rPr lang="en-US" smtClean="0"/>
-              <a:t>6/13/16</a:t>
+              <a:t>4/15/17</a:t>
             </a:fld>
             <a:endParaRPr lang="en-US"/>
           </a:p>
@@ -10823,7 +10839,7 @@
             <a:fld id="{FA3C144B-2939-9A49-B014-915EC3E81866}" type="datetime1">
               <a:rPr lang="en-US" smtClean="0"/>
               <a:pPr/>
-              <a:t>6/13/16</a:t>
+              <a:t>4/15/17</a:t>
             </a:fld>
             <a:endParaRPr lang="en-US" dirty="0"/>
           </a:p>
@@ -11040,7 +11056,7 @@
             <a:fld id="{FA3C144B-2939-9A49-B014-915EC3E81866}" type="datetime1">
               <a:rPr lang="en-US" smtClean="0"/>
               <a:pPr/>
-              <a:t>6/13/16</a:t>
+              <a:t>4/15/17</a:t>
             </a:fld>
             <a:endParaRPr lang="en-US" dirty="0"/>
           </a:p>
@@ -11285,7 +11301,7 @@
             <a:fld id="{FA3C144B-2939-9A49-B014-915EC3E81866}" type="datetime1">
               <a:rPr lang="en-US" smtClean="0"/>
               <a:pPr/>
-              <a:t>6/13/16</a:t>
+              <a:t>4/15/17</a:t>
             </a:fld>
             <a:endParaRPr lang="en-US" dirty="0"/>
           </a:p>
@@ -11663,7 +11679,7 @@
           <a:p>
             <a:fld id="{111EEF3B-ABF2-AA4E-9E24-0C6256942674}" type="datetime1">
               <a:rPr lang="en-US" smtClean="0"/>
-              <a:t>6/13/16</a:t>
+              <a:t>4/15/17</a:t>
             </a:fld>
             <a:endParaRPr lang="en-US"/>
           </a:p>
@@ -11827,7 +11843,7 @@
             <a:fld id="{FA3C144B-2939-9A49-B014-915EC3E81866}" type="datetime1">
               <a:rPr lang="en-US" smtClean="0"/>
               <a:pPr/>
-              <a:t>6/13/16</a:t>
+              <a:t>4/15/17</a:t>
             </a:fld>
             <a:endParaRPr lang="en-US" dirty="0"/>
           </a:p>
@@ -12244,7 +12260,7 @@
             <a:fld id="{FA3C144B-2939-9A49-B014-915EC3E81866}" type="datetime1">
               <a:rPr lang="en-US" smtClean="0"/>
               <a:pPr/>
-              <a:t>6/13/16</a:t>
+              <a:t>4/15/17</a:t>
             </a:fld>
             <a:endParaRPr lang="en-US" dirty="0"/>
           </a:p>
@@ -12560,7 +12576,7 @@
             <a:fld id="{FA3C144B-2939-9A49-B014-915EC3E81866}" type="datetime1">
               <a:rPr lang="en-US" smtClean="0"/>
               <a:pPr/>
-              <a:t>6/13/16</a:t>
+              <a:t>4/15/17</a:t>
             </a:fld>
             <a:endParaRPr lang="en-US" dirty="0"/>
           </a:p>
@@ -13226,7 +13242,7 @@
             <a:fld id="{FA3C144B-2939-9A49-B014-915EC3E81866}" type="datetime1">
               <a:rPr lang="en-US" smtClean="0"/>
               <a:pPr/>
-              <a:t>6/13/16</a:t>
+              <a:t>4/15/17</a:t>
             </a:fld>
             <a:endParaRPr lang="en-US" dirty="0"/>
           </a:p>
@@ -13511,7 +13527,7 @@
           <a:effectLst/>
           <a:extLst>
             <a:ext uri="{91240B29-F687-4f45-9708-019B960494DF}">
-              <a14:hiddenLine xmlns:a14="http://schemas.microsoft.com/office/drawing/2010/main" w="9525">
+              <a14:hiddenLine xmlns:a14="http://schemas.microsoft.com/office/drawing/2010/main" xmlns="" w="9525">
                 <a:solidFill>
                   <a:srgbClr val="000000"/>
                 </a:solidFill>
@@ -13521,7 +13537,7 @@
               </a14:hiddenLine>
             </a:ext>
             <a:ext uri="{AF507438-7753-43e0-B8FC-AC1667EBCBE1}">
-              <a14:hiddenEffects xmlns:a14="http://schemas.microsoft.com/office/drawing/2010/main">
+              <a14:hiddenEffects xmlns:a14="http://schemas.microsoft.com/office/drawing/2010/main" xmlns="">
                 <a:effectLst>
                   <a:outerShdw blurRad="40000" dist="23000" dir="5400000" rotWithShape="0">
                     <a:srgbClr val="000000">
@@ -13622,7 +13638,7 @@
   <p:timing>
     <p:tnLst>
       <p:par>
-        <p:cTn xmlns:p14="http://schemas.microsoft.com/office/powerpoint/2010/main" id="1" dur="indefinite" restart="never" nodeType="tmRoot"/>
+        <p:cTn id="1" dur="indefinite" restart="never" nodeType="tmRoot"/>
       </p:par>
     </p:tnLst>
   </p:timing>
@@ -14236,7 +14252,7 @@
           <a:effectLst/>
           <a:extLst>
             <a:ext uri="{91240B29-F687-4f45-9708-019B960494DF}">
-              <a14:hiddenLine xmlns:a14="http://schemas.microsoft.com/office/drawing/2010/main" w="9525">
+              <a14:hiddenLine xmlns:a14="http://schemas.microsoft.com/office/drawing/2010/main" xmlns="" w="9525">
                 <a:solidFill>
                   <a:srgbClr val="000000"/>
                 </a:solidFill>
@@ -14246,7 +14262,7 @@
               </a14:hiddenLine>
             </a:ext>
             <a:ext uri="{AF507438-7753-43e0-B8FC-AC1667EBCBE1}">
-              <a14:hiddenEffects xmlns:a14="http://schemas.microsoft.com/office/drawing/2010/main">
+              <a14:hiddenEffects xmlns:a14="http://schemas.microsoft.com/office/drawing/2010/main" xmlns="">
                 <a:effectLst>
                   <a:outerShdw blurRad="40000" dist="23000" dir="5400000" rotWithShape="0">
                     <a:srgbClr val="000000">
@@ -14283,7 +14299,7 @@
   <p:timing>
     <p:tnLst>
       <p:par>
-        <p:cTn xmlns:p14="http://schemas.microsoft.com/office/powerpoint/2010/main" id="1" dur="indefinite" restart="never" nodeType="tmRoot"/>
+        <p:cTn id="1" dur="indefinite" restart="never" nodeType="tmRoot"/>
       </p:par>
     </p:tnLst>
   </p:timing>
@@ -14447,11 +14463,11 @@
   <p:clrMapOvr>
     <a:masterClrMapping/>
   </p:clrMapOvr>
-  <p:transition xmlns:p14="http://schemas.microsoft.com/office/powerpoint/2010/main" advTm="33953"/>
+  <p:transition advTm="33953"/>
   <p:timing>
     <p:tnLst>
       <p:par>
-        <p:cTn xmlns:p14="http://schemas.microsoft.com/office/powerpoint/2010/main" id="1" dur="indefinite" restart="never" nodeType="tmRoot"/>
+        <p:cTn id="1" dur="indefinite" restart="never" nodeType="tmRoot"/>
       </p:par>
     </p:tnLst>
   </p:timing>
@@ -14594,7 +14610,7 @@
   <p:timing>
     <p:tnLst>
       <p:par>
-        <p:cTn xmlns:p14="http://schemas.microsoft.com/office/powerpoint/2010/main" id="1" dur="indefinite" restart="never" nodeType="tmRoot"/>
+        <p:cTn id="1" dur="indefinite" restart="never" nodeType="tmRoot"/>
       </p:par>
     </p:tnLst>
   </p:timing>
@@ -14783,7 +14799,7 @@
   <p:timing>
     <p:tnLst>
       <p:par>
-        <p:cTn xmlns:p14="http://schemas.microsoft.com/office/powerpoint/2010/main" id="1" dur="indefinite" restart="never" nodeType="tmRoot">
+        <p:cTn id="1" dur="indefinite" restart="never" nodeType="tmRoot">
           <p:childTnLst>
             <p:seq concurrent="1" nextAc="seek">
               <p:cTn id="2" dur="indefinite" nodeType="mainSeq">
@@ -15126,7 +15142,7 @@
   <p:timing>
     <p:tnLst>
       <p:par>
-        <p:cTn xmlns:p14="http://schemas.microsoft.com/office/powerpoint/2010/main" id="1" dur="indefinite" restart="never" nodeType="tmRoot"/>
+        <p:cTn id="1" dur="indefinite" restart="never" nodeType="tmRoot"/>
       </p:par>
     </p:tnLst>
   </p:timing>
@@ -15269,7 +15285,7 @@
   <p:timing>
     <p:tnLst>
       <p:par>
-        <p:cTn xmlns:p14="http://schemas.microsoft.com/office/powerpoint/2010/main" id="1" dur="indefinite" restart="never" nodeType="tmRoot">
+        <p:cTn id="1" dur="indefinite" restart="never" nodeType="tmRoot">
           <p:childTnLst>
             <p:seq concurrent="1" nextAc="seek">
               <p:cTn id="2" dur="indefinite" nodeType="mainSeq">
@@ -15716,7 +15732,7 @@
   <p:timing>
     <p:tnLst>
       <p:par>
-        <p:cTn xmlns:p14="http://schemas.microsoft.com/office/powerpoint/2010/main" id="1" dur="indefinite" restart="never" nodeType="tmRoot"/>
+        <p:cTn id="1" dur="indefinite" restart="never" nodeType="tmRoot"/>
       </p:par>
     </p:tnLst>
   </p:timing>
@@ -15875,7 +15891,7 @@
   <p:timing>
     <p:tnLst>
       <p:par>
-        <p:cTn xmlns:p14="http://schemas.microsoft.com/office/powerpoint/2010/main" id="1" dur="indefinite" restart="never" nodeType="tmRoot">
+        <p:cTn id="1" dur="indefinite" restart="never" nodeType="tmRoot">
           <p:childTnLst>
             <p:seq concurrent="1" nextAc="seek">
               <p:cTn id="2" dur="indefinite" nodeType="mainSeq">
@@ -16216,7 +16232,7 @@
   <p:timing>
     <p:tnLst>
       <p:par>
-        <p:cTn xmlns:p14="http://schemas.microsoft.com/office/powerpoint/2010/main" id="1" dur="indefinite" restart="never" nodeType="tmRoot"/>
+        <p:cTn id="1" dur="indefinite" restart="never" nodeType="tmRoot"/>
       </p:par>
     </p:tnLst>
   </p:timing>
@@ -16528,14 +16544,14 @@
           </a:ln>
           <a:extLst>
             <a:ext uri="{909E8E84-426E-40dd-AFC4-6F175D3DCCD1}">
-              <a14:hiddenFill xmlns:a14="http://schemas.microsoft.com/office/drawing/2010/main">
+              <a14:hiddenFill xmlns:a14="http://schemas.microsoft.com/office/drawing/2010/main" xmlns="">
                 <a:solidFill>
                   <a:srgbClr val="FFFFFF"/>
                 </a:solidFill>
               </a14:hiddenFill>
             </a:ext>
             <a:ext uri="{91240B29-F687-4f45-9708-019B960494DF}">
-              <a14:hiddenLine xmlns:a14="http://schemas.microsoft.com/office/drawing/2010/main" w="9525">
+              <a14:hiddenLine xmlns:a14="http://schemas.microsoft.com/office/drawing/2010/main" xmlns="" w="9525">
                 <a:solidFill>
                   <a:srgbClr val="000000"/>
                 </a:solidFill>
@@ -16568,7 +16584,7 @@
   <p:timing>
     <p:tnLst>
       <p:par>
-        <p:cTn xmlns:p14="http://schemas.microsoft.com/office/powerpoint/2010/main" id="1" dur="indefinite" restart="never" nodeType="tmRoot"/>
+        <p:cTn id="1" dur="indefinite" restart="never" nodeType="tmRoot"/>
       </p:par>
     </p:tnLst>
   </p:timing>
@@ -16730,14 +16746,14 @@
           </a:ln>
           <a:extLst>
             <a:ext uri="{909E8E84-426E-40dd-AFC4-6F175D3DCCD1}">
-              <a14:hiddenFill xmlns:a14="http://schemas.microsoft.com/office/drawing/2010/main">
+              <a14:hiddenFill xmlns:a14="http://schemas.microsoft.com/office/drawing/2010/main" xmlns="">
                 <a:solidFill>
                   <a:srgbClr val="FFFFFF"/>
                 </a:solidFill>
               </a14:hiddenFill>
             </a:ext>
             <a:ext uri="{91240B29-F687-4f45-9708-019B960494DF}">
-              <a14:hiddenLine xmlns:a14="http://schemas.microsoft.com/office/drawing/2010/main" w="9525">
+              <a14:hiddenLine xmlns:a14="http://schemas.microsoft.com/office/drawing/2010/main" xmlns="" w="9525">
                 <a:solidFill>
                   <a:srgbClr val="000000"/>
                 </a:solidFill>
@@ -16784,14 +16800,14 @@
           </a:ln>
           <a:extLst>
             <a:ext uri="{909E8E84-426E-40dd-AFC4-6F175D3DCCD1}">
-              <a14:hiddenFill xmlns:a14="http://schemas.microsoft.com/office/drawing/2010/main">
+              <a14:hiddenFill xmlns:a14="http://schemas.microsoft.com/office/drawing/2010/main" xmlns="">
                 <a:solidFill>
                   <a:srgbClr val="FFFFFF"/>
                 </a:solidFill>
               </a14:hiddenFill>
             </a:ext>
             <a:ext uri="{91240B29-F687-4f45-9708-019B960494DF}">
-              <a14:hiddenLine xmlns:a14="http://schemas.microsoft.com/office/drawing/2010/main" w="9525">
+              <a14:hiddenLine xmlns:a14="http://schemas.microsoft.com/office/drawing/2010/main" xmlns="" w="9525">
                 <a:solidFill>
                   <a:srgbClr val="000000"/>
                 </a:solidFill>
@@ -16825,14 +16841,14 @@
           </a:ln>
           <a:extLst>
             <a:ext uri="{909E8E84-426E-40dd-AFC4-6F175D3DCCD1}">
-              <a14:hiddenFill xmlns:a14="http://schemas.microsoft.com/office/drawing/2010/main">
+              <a14:hiddenFill xmlns:a14="http://schemas.microsoft.com/office/drawing/2010/main" xmlns="">
                 <a:solidFill>
                   <a:srgbClr val="FFFFFF"/>
                 </a:solidFill>
               </a14:hiddenFill>
             </a:ext>
             <a:ext uri="{91240B29-F687-4f45-9708-019B960494DF}">
-              <a14:hiddenLine xmlns:a14="http://schemas.microsoft.com/office/drawing/2010/main" w="9525">
+              <a14:hiddenLine xmlns:a14="http://schemas.microsoft.com/office/drawing/2010/main" xmlns="" w="9525">
                 <a:solidFill>
                   <a:srgbClr val="000000"/>
                 </a:solidFill>
@@ -17003,7 +17019,7 @@
   <p:timing>
     <p:tnLst>
       <p:par>
-        <p:cTn xmlns:p14="http://schemas.microsoft.com/office/powerpoint/2010/main" id="1" dur="indefinite" restart="never" nodeType="tmRoot"/>
+        <p:cTn id="1" dur="indefinite" restart="never" nodeType="tmRoot"/>
       </p:par>
     </p:tnLst>
   </p:timing>
@@ -17169,7 +17185,7 @@
           <a:p>
             <a:fld id="{111EEF3B-ABF2-AA4E-9E24-0C6256942674}" type="datetime1">
               <a:rPr lang="en-US" smtClean="0"/>
-              <a:t>6/13/16</a:t>
+              <a:t>4/15/17</a:t>
             </a:fld>
             <a:endParaRPr lang="en-US"/>
           </a:p>
@@ -17211,7 +17227,7 @@
   <p:timing>
     <p:tnLst>
       <p:par>
-        <p:cTn xmlns:p14="http://schemas.microsoft.com/office/powerpoint/2010/main" id="1" dur="indefinite" restart="never" nodeType="tmRoot"/>
+        <p:cTn id="1" dur="indefinite" restart="never" nodeType="tmRoot"/>
       </p:par>
     </p:tnLst>
   </p:timing>
@@ -17423,14 +17439,14 @@
           </a:ln>
           <a:extLst>
             <a:ext uri="{909E8E84-426E-40dd-AFC4-6F175D3DCCD1}">
-              <a14:hiddenFill xmlns:a14="http://schemas.microsoft.com/office/drawing/2010/main">
+              <a14:hiddenFill xmlns:a14="http://schemas.microsoft.com/office/drawing/2010/main" xmlns="">
                 <a:solidFill>
                   <a:srgbClr val="FFFFFF"/>
                 </a:solidFill>
               </a14:hiddenFill>
             </a:ext>
             <a:ext uri="{91240B29-F687-4f45-9708-019B960494DF}">
-              <a14:hiddenLine xmlns:a14="http://schemas.microsoft.com/office/drawing/2010/main" w="9525">
+              <a14:hiddenLine xmlns:a14="http://schemas.microsoft.com/office/drawing/2010/main" xmlns="" w="9525">
                 <a:solidFill>
                   <a:srgbClr val="000000"/>
                 </a:solidFill>
@@ -17469,7 +17485,7 @@
           </a:ln>
           <a:extLst>
             <a:ext uri="{909E8E84-426E-40dd-AFC4-6F175D3DCCD1}">
-              <a14:hiddenFill xmlns:a14="http://schemas.microsoft.com/office/drawing/2010/main">
+              <a14:hiddenFill xmlns:a14="http://schemas.microsoft.com/office/drawing/2010/main" xmlns="">
                 <a:noFill/>
               </a14:hiddenFill>
             </a:ext>
@@ -17497,7 +17513,7 @@
   <p:timing>
     <p:tnLst>
       <p:par>
-        <p:cTn xmlns:p14="http://schemas.microsoft.com/office/powerpoint/2010/main" id="1" dur="indefinite" restart="never" nodeType="tmRoot"/>
+        <p:cTn id="1" dur="indefinite" restart="never" nodeType="tmRoot"/>
       </p:par>
     </p:tnLst>
   </p:timing>
@@ -17732,7 +17748,7 @@
           </a:ln>
           <a:extLst>
             <a:ext uri="{909E8E84-426E-40dd-AFC4-6F175D3DCCD1}">
-              <a14:hiddenFill xmlns:a14="http://schemas.microsoft.com/office/drawing/2010/main">
+              <a14:hiddenFill xmlns:a14="http://schemas.microsoft.com/office/drawing/2010/main" xmlns="">
                 <a:noFill/>
               </a14:hiddenFill>
             </a:ext>
@@ -17766,7 +17782,7 @@
           </a:ln>
           <a:extLst>
             <a:ext uri="{909E8E84-426E-40dd-AFC4-6F175D3DCCD1}">
-              <a14:hiddenFill xmlns:a14="http://schemas.microsoft.com/office/drawing/2010/main">
+              <a14:hiddenFill xmlns:a14="http://schemas.microsoft.com/office/drawing/2010/main" xmlns="">
                 <a:noFill/>
               </a14:hiddenFill>
             </a:ext>
@@ -17800,7 +17816,7 @@
           </a:ln>
           <a:extLst>
             <a:ext uri="{909E8E84-426E-40dd-AFC4-6F175D3DCCD1}">
-              <a14:hiddenFill xmlns:a14="http://schemas.microsoft.com/office/drawing/2010/main">
+              <a14:hiddenFill xmlns:a14="http://schemas.microsoft.com/office/drawing/2010/main" xmlns="">
                 <a:noFill/>
               </a14:hiddenFill>
             </a:ext>
@@ -17834,7 +17850,7 @@
           </a:ln>
           <a:extLst>
             <a:ext uri="{909E8E84-426E-40dd-AFC4-6F175D3DCCD1}">
-              <a14:hiddenFill xmlns:a14="http://schemas.microsoft.com/office/drawing/2010/main">
+              <a14:hiddenFill xmlns:a14="http://schemas.microsoft.com/office/drawing/2010/main" xmlns="">
                 <a:noFill/>
               </a14:hiddenFill>
             </a:ext>
@@ -17876,14 +17892,14 @@
           </a:ln>
           <a:extLst>
             <a:ext uri="{909E8E84-426E-40dd-AFC4-6F175D3DCCD1}">
-              <a14:hiddenFill xmlns:a14="http://schemas.microsoft.com/office/drawing/2010/main">
+              <a14:hiddenFill xmlns:a14="http://schemas.microsoft.com/office/drawing/2010/main" xmlns="">
                 <a:solidFill>
                   <a:srgbClr val="FFFFFF"/>
                 </a:solidFill>
               </a14:hiddenFill>
             </a:ext>
             <a:ext uri="{91240B29-F687-4f45-9708-019B960494DF}">
-              <a14:hiddenLine xmlns:a14="http://schemas.microsoft.com/office/drawing/2010/main" w="9525">
+              <a14:hiddenLine xmlns:a14="http://schemas.microsoft.com/office/drawing/2010/main" xmlns="" w="9525">
                 <a:solidFill>
                   <a:srgbClr val="000000"/>
                 </a:solidFill>
@@ -17916,7 +17932,7 @@
   <p:timing>
     <p:tnLst>
       <p:par>
-        <p:cTn xmlns:p14="http://schemas.microsoft.com/office/powerpoint/2010/main" id="1" dur="indefinite" restart="never" nodeType="tmRoot"/>
+        <p:cTn id="1" dur="indefinite" restart="never" nodeType="tmRoot"/>
       </p:par>
     </p:tnLst>
   </p:timing>
@@ -18136,14 +18152,14 @@
           </a:ln>
           <a:extLst>
             <a:ext uri="{909E8E84-426E-40dd-AFC4-6F175D3DCCD1}">
-              <a14:hiddenFill xmlns:a14="http://schemas.microsoft.com/office/drawing/2010/main">
+              <a14:hiddenFill xmlns:a14="http://schemas.microsoft.com/office/drawing/2010/main" xmlns="">
                 <a:solidFill>
                   <a:srgbClr val="FFFFFF"/>
                 </a:solidFill>
               </a14:hiddenFill>
             </a:ext>
             <a:ext uri="{91240B29-F687-4f45-9708-019B960494DF}">
-              <a14:hiddenLine xmlns:a14="http://schemas.microsoft.com/office/drawing/2010/main" w="9525">
+              <a14:hiddenLine xmlns:a14="http://schemas.microsoft.com/office/drawing/2010/main" xmlns="" w="9525">
                 <a:solidFill>
                   <a:srgbClr val="000000"/>
                 </a:solidFill>
@@ -18247,7 +18263,7 @@
           </a:ln>
           <a:extLst>
             <a:ext uri="{909E8E84-426E-40dd-AFC4-6F175D3DCCD1}">
-              <a14:hiddenFill xmlns:a14="http://schemas.microsoft.com/office/drawing/2010/main">
+              <a14:hiddenFill xmlns:a14="http://schemas.microsoft.com/office/drawing/2010/main" xmlns="">
                 <a:noFill/>
               </a14:hiddenFill>
             </a:ext>
@@ -18281,7 +18297,7 @@
           </a:ln>
           <a:extLst>
             <a:ext uri="{909E8E84-426E-40dd-AFC4-6F175D3DCCD1}">
-              <a14:hiddenFill xmlns:a14="http://schemas.microsoft.com/office/drawing/2010/main">
+              <a14:hiddenFill xmlns:a14="http://schemas.microsoft.com/office/drawing/2010/main" xmlns="">
                 <a:noFill/>
               </a14:hiddenFill>
             </a:ext>
@@ -18309,7 +18325,7 @@
   <p:timing>
     <p:tnLst>
       <p:par>
-        <p:cTn xmlns:p14="http://schemas.microsoft.com/office/powerpoint/2010/main" id="1" dur="indefinite" restart="never" nodeType="tmRoot"/>
+        <p:cTn id="1" dur="indefinite" restart="never" nodeType="tmRoot"/>
       </p:par>
     </p:tnLst>
   </p:timing>
@@ -18565,14 +18581,14 @@
           </a:ln>
           <a:extLst>
             <a:ext uri="{909E8E84-426E-40dd-AFC4-6F175D3DCCD1}">
-              <a14:hiddenFill xmlns:a14="http://schemas.microsoft.com/office/drawing/2010/main">
+              <a14:hiddenFill xmlns:a14="http://schemas.microsoft.com/office/drawing/2010/main" xmlns="">
                 <a:solidFill>
                   <a:srgbClr val="FFFFFF"/>
                 </a:solidFill>
               </a14:hiddenFill>
             </a:ext>
             <a:ext uri="{91240B29-F687-4f45-9708-019B960494DF}">
-              <a14:hiddenLine xmlns:a14="http://schemas.microsoft.com/office/drawing/2010/main" w="9525">
+              <a14:hiddenLine xmlns:a14="http://schemas.microsoft.com/office/drawing/2010/main" xmlns="" w="9525">
                 <a:solidFill>
                   <a:srgbClr val="000000"/>
                 </a:solidFill>
@@ -18676,7 +18692,7 @@
           </a:ln>
           <a:extLst>
             <a:ext uri="{909E8E84-426E-40dd-AFC4-6F175D3DCCD1}">
-              <a14:hiddenFill xmlns:a14="http://schemas.microsoft.com/office/drawing/2010/main">
+              <a14:hiddenFill xmlns:a14="http://schemas.microsoft.com/office/drawing/2010/main" xmlns="">
                 <a:noFill/>
               </a14:hiddenFill>
             </a:ext>
@@ -18710,7 +18726,7 @@
           </a:ln>
           <a:extLst>
             <a:ext uri="{909E8E84-426E-40dd-AFC4-6F175D3DCCD1}">
-              <a14:hiddenFill xmlns:a14="http://schemas.microsoft.com/office/drawing/2010/main">
+              <a14:hiddenFill xmlns:a14="http://schemas.microsoft.com/office/drawing/2010/main" xmlns="">
                 <a:noFill/>
               </a14:hiddenFill>
             </a:ext>
@@ -18744,7 +18760,7 @@
           </a:ln>
           <a:extLst>
             <a:ext uri="{909E8E84-426E-40dd-AFC4-6F175D3DCCD1}">
-              <a14:hiddenFill xmlns:a14="http://schemas.microsoft.com/office/drawing/2010/main">
+              <a14:hiddenFill xmlns:a14="http://schemas.microsoft.com/office/drawing/2010/main" xmlns="">
                 <a:noFill/>
               </a14:hiddenFill>
             </a:ext>
@@ -18772,7 +18788,7 @@
   <p:timing>
     <p:tnLst>
       <p:par>
-        <p:cTn xmlns:p14="http://schemas.microsoft.com/office/powerpoint/2010/main" id="1" dur="indefinite" restart="never" nodeType="tmRoot"/>
+        <p:cTn id="1" dur="indefinite" restart="never" nodeType="tmRoot"/>
       </p:par>
     </p:tnLst>
   </p:timing>
@@ -18987,14 +19003,14 @@
           </a:ln>
           <a:extLst>
             <a:ext uri="{909E8E84-426E-40dd-AFC4-6F175D3DCCD1}">
-              <a14:hiddenFill xmlns:a14="http://schemas.microsoft.com/office/drawing/2010/main">
+              <a14:hiddenFill xmlns:a14="http://schemas.microsoft.com/office/drawing/2010/main" xmlns="">
                 <a:solidFill>
                   <a:srgbClr val="FFFFFF"/>
                 </a:solidFill>
               </a14:hiddenFill>
             </a:ext>
             <a:ext uri="{91240B29-F687-4f45-9708-019B960494DF}">
-              <a14:hiddenLine xmlns:a14="http://schemas.microsoft.com/office/drawing/2010/main" w="9525">
+              <a14:hiddenLine xmlns:a14="http://schemas.microsoft.com/office/drawing/2010/main" xmlns="" w="9525">
                 <a:solidFill>
                   <a:srgbClr val="000000"/>
                 </a:solidFill>
@@ -19028,14 +19044,14 @@
           </a:ln>
           <a:extLst>
             <a:ext uri="{909E8E84-426E-40dd-AFC4-6F175D3DCCD1}">
-              <a14:hiddenFill xmlns:a14="http://schemas.microsoft.com/office/drawing/2010/main">
+              <a14:hiddenFill xmlns:a14="http://schemas.microsoft.com/office/drawing/2010/main" xmlns="">
                 <a:solidFill>
                   <a:srgbClr val="FFFFFF"/>
                 </a:solidFill>
               </a14:hiddenFill>
             </a:ext>
             <a:ext uri="{91240B29-F687-4f45-9708-019B960494DF}">
-              <a14:hiddenLine xmlns:a14="http://schemas.microsoft.com/office/drawing/2010/main" w="9525">
+              <a14:hiddenLine xmlns:a14="http://schemas.microsoft.com/office/drawing/2010/main" xmlns="" w="9525">
                 <a:solidFill>
                   <a:srgbClr val="000000"/>
                 </a:solidFill>
@@ -19236,14 +19252,14 @@
             </a:ln>
             <a:extLst>
               <a:ext uri="{909E8E84-426E-40dd-AFC4-6F175D3DCCD1}">
-                <a14:hiddenFill xmlns:a14="http://schemas.microsoft.com/office/drawing/2010/main">
+                <a14:hiddenFill xmlns:a14="http://schemas.microsoft.com/office/drawing/2010/main" xmlns="">
                   <a:solidFill>
                     <a:srgbClr val="FFFFFF"/>
                   </a:solidFill>
                 </a14:hiddenFill>
               </a:ext>
               <a:ext uri="{91240B29-F687-4f45-9708-019B960494DF}">
-                <a14:hiddenLine xmlns:a14="http://schemas.microsoft.com/office/drawing/2010/main" w="9525">
+                <a14:hiddenLine xmlns:a14="http://schemas.microsoft.com/office/drawing/2010/main" xmlns="" w="9525">
                   <a:solidFill>
                     <a:srgbClr val="000000"/>
                   </a:solidFill>
@@ -19445,14 +19461,14 @@
                 </a:ln>
                 <a:extLst>
                   <a:ext uri="{909E8E84-426E-40dd-AFC4-6F175D3DCCD1}">
-                    <a14:hiddenFill xmlns:a14="http://schemas.microsoft.com/office/drawing/2010/main">
+                    <a14:hiddenFill xmlns:a14="http://schemas.microsoft.com/office/drawing/2010/main" xmlns="">
                       <a:solidFill>
                         <a:srgbClr val="FFFFFF"/>
                       </a:solidFill>
                     </a14:hiddenFill>
                   </a:ext>
                   <a:ext uri="{91240B29-F687-4f45-9708-019B960494DF}">
-                    <a14:hiddenLine xmlns:a14="http://schemas.microsoft.com/office/drawing/2010/main" w="9525">
+                    <a14:hiddenLine xmlns:a14="http://schemas.microsoft.com/office/drawing/2010/main" xmlns="" w="9525">
                       <a:solidFill>
                         <a:srgbClr val="000000"/>
                       </a:solidFill>
@@ -19622,14 +19638,14 @@
                 </a:ln>
                 <a:extLst>
                   <a:ext uri="{909E8E84-426E-40dd-AFC4-6F175D3DCCD1}">
-                    <a14:hiddenFill xmlns:a14="http://schemas.microsoft.com/office/drawing/2010/main">
+                    <a14:hiddenFill xmlns:a14="http://schemas.microsoft.com/office/drawing/2010/main" xmlns="">
                       <a:solidFill>
                         <a:srgbClr val="FFFFFF"/>
                       </a:solidFill>
                     </a14:hiddenFill>
                   </a:ext>
                   <a:ext uri="{91240B29-F687-4f45-9708-019B960494DF}">
-                    <a14:hiddenLine xmlns:a14="http://schemas.microsoft.com/office/drawing/2010/main" w="9525">
+                    <a14:hiddenLine xmlns:a14="http://schemas.microsoft.com/office/drawing/2010/main" xmlns="" w="9525">
                       <a:solidFill>
                         <a:srgbClr val="000000"/>
                       </a:solidFill>
@@ -19805,7 +19821,7 @@
               </a:ln>
               <a:extLst>
                 <a:ext uri="{909E8E84-426E-40dd-AFC4-6F175D3DCCD1}">
-                  <a14:hiddenFill xmlns:a14="http://schemas.microsoft.com/office/drawing/2010/main">
+                  <a14:hiddenFill xmlns:a14="http://schemas.microsoft.com/office/drawing/2010/main" xmlns="">
                     <a:noFill/>
                   </a14:hiddenFill>
                 </a:ext>
@@ -19846,7 +19862,7 @@
   <p:timing>
     <p:tnLst>
       <p:par>
-        <p:cTn xmlns:p14="http://schemas.microsoft.com/office/powerpoint/2010/main" id="1" dur="indefinite" restart="never" nodeType="tmRoot"/>
+        <p:cTn id="1" dur="indefinite" restart="never" nodeType="tmRoot"/>
       </p:par>
     </p:tnLst>
   </p:timing>
@@ -19933,14 +19949,14 @@
           </a:ln>
           <a:extLst>
             <a:ext uri="{909E8E84-426E-40dd-AFC4-6F175D3DCCD1}">
-              <a14:hiddenFill xmlns:a14="http://schemas.microsoft.com/office/drawing/2010/main">
+              <a14:hiddenFill xmlns:a14="http://schemas.microsoft.com/office/drawing/2010/main" xmlns="">
                 <a:solidFill>
                   <a:srgbClr val="FFFFFF"/>
                 </a:solidFill>
               </a14:hiddenFill>
             </a:ext>
             <a:ext uri="{91240B29-F687-4f45-9708-019B960494DF}">
-              <a14:hiddenLine xmlns:a14="http://schemas.microsoft.com/office/drawing/2010/main" w="9525">
+              <a14:hiddenLine xmlns:a14="http://schemas.microsoft.com/office/drawing/2010/main" xmlns="" w="9525">
                 <a:solidFill>
                   <a:srgbClr val="000000"/>
                 </a:solidFill>
@@ -19998,13 +20014,13 @@
       <p:transition spd="slow" p14:dur="2000"/>
     </mc:Choice>
     <mc:Fallback>
-      <p:transition xmlns:p14="http://schemas.microsoft.com/office/powerpoint/2010/main" spd="slow"/>
+      <p:transition spd="slow"/>
     </mc:Fallback>
   </mc:AlternateContent>
   <p:timing>
     <p:tnLst>
       <p:par>
-        <p:cTn xmlns:p14="http://schemas.microsoft.com/office/powerpoint/2010/main" id="1" dur="indefinite" restart="never" nodeType="tmRoot"/>
+        <p:cTn id="1" dur="indefinite" restart="never" nodeType="tmRoot"/>
       </p:par>
     </p:tnLst>
   </p:timing>
@@ -20088,14 +20104,14 @@
           </a:ln>
           <a:extLst>
             <a:ext uri="{909E8E84-426E-40dd-AFC4-6F175D3DCCD1}">
-              <a14:hiddenFill xmlns:a14="http://schemas.microsoft.com/office/drawing/2010/main">
+              <a14:hiddenFill xmlns:a14="http://schemas.microsoft.com/office/drawing/2010/main" xmlns="">
                 <a:solidFill>
                   <a:srgbClr val="FFFFFF"/>
                 </a:solidFill>
               </a14:hiddenFill>
             </a:ext>
             <a:ext uri="{91240B29-F687-4f45-9708-019B960494DF}">
-              <a14:hiddenLine xmlns:a14="http://schemas.microsoft.com/office/drawing/2010/main" w="9525">
+              <a14:hiddenLine xmlns:a14="http://schemas.microsoft.com/office/drawing/2010/main" xmlns="" w="9525">
                 <a:solidFill>
                   <a:srgbClr val="000000"/>
                 </a:solidFill>
@@ -20210,7 +20226,7 @@
           </a:ln>
           <a:extLst>
             <a:ext uri="{909E8E84-426E-40dd-AFC4-6F175D3DCCD1}">
-              <a14:hiddenFill xmlns:a14="http://schemas.microsoft.com/office/drawing/2010/main">
+              <a14:hiddenFill xmlns:a14="http://schemas.microsoft.com/office/drawing/2010/main" xmlns="">
                 <a:noFill/>
               </a14:hiddenFill>
             </a:ext>
@@ -20232,13 +20248,13 @@
       <p:transition spd="slow" p14:dur="2000"/>
     </mc:Choice>
     <mc:Fallback>
-      <p:transition xmlns:p14="http://schemas.microsoft.com/office/powerpoint/2010/main" spd="slow"/>
+      <p:transition spd="slow"/>
     </mc:Fallback>
   </mc:AlternateContent>
   <p:timing>
     <p:tnLst>
       <p:par>
-        <p:cTn xmlns:p14="http://schemas.microsoft.com/office/powerpoint/2010/main" id="1" dur="indefinite" restart="never" nodeType="tmRoot"/>
+        <p:cTn id="1" dur="indefinite" restart="never" nodeType="tmRoot"/>
       </p:par>
     </p:tnLst>
   </p:timing>
@@ -20322,14 +20338,14 @@
           </a:ln>
           <a:extLst>
             <a:ext uri="{909E8E84-426E-40dd-AFC4-6F175D3DCCD1}">
-              <a14:hiddenFill xmlns:a14="http://schemas.microsoft.com/office/drawing/2010/main">
+              <a14:hiddenFill xmlns:a14="http://schemas.microsoft.com/office/drawing/2010/main" xmlns="">
                 <a:solidFill>
                   <a:srgbClr val="FFFFFF"/>
                 </a:solidFill>
               </a14:hiddenFill>
             </a:ext>
             <a:ext uri="{91240B29-F687-4f45-9708-019B960494DF}">
-              <a14:hiddenLine xmlns:a14="http://schemas.microsoft.com/office/drawing/2010/main" w="9525">
+              <a14:hiddenLine xmlns:a14="http://schemas.microsoft.com/office/drawing/2010/main" xmlns="" w="9525">
                 <a:solidFill>
                   <a:srgbClr val="000000"/>
                 </a:solidFill>
@@ -20468,7 +20484,7 @@
           </a:ln>
           <a:extLst>
             <a:ext uri="{909E8E84-426E-40dd-AFC4-6F175D3DCCD1}">
-              <a14:hiddenFill xmlns:a14="http://schemas.microsoft.com/office/drawing/2010/main">
+              <a14:hiddenFill xmlns:a14="http://schemas.microsoft.com/office/drawing/2010/main" xmlns="">
                 <a:noFill/>
               </a14:hiddenFill>
             </a:ext>
@@ -20490,13 +20506,13 @@
       <p:transition spd="slow" p14:dur="2000"/>
     </mc:Choice>
     <mc:Fallback>
-      <p:transition xmlns:p14="http://schemas.microsoft.com/office/powerpoint/2010/main" spd="slow"/>
+      <p:transition spd="slow"/>
     </mc:Fallback>
   </mc:AlternateContent>
   <p:timing>
     <p:tnLst>
       <p:par>
-        <p:cTn xmlns:p14="http://schemas.microsoft.com/office/powerpoint/2010/main" id="1" dur="indefinite" restart="never" nodeType="tmRoot"/>
+        <p:cTn id="1" dur="indefinite" restart="never" nodeType="tmRoot"/>
       </p:par>
     </p:tnLst>
   </p:timing>
@@ -20580,14 +20596,14 @@
           </a:ln>
           <a:extLst>
             <a:ext uri="{909E8E84-426E-40dd-AFC4-6F175D3DCCD1}">
-              <a14:hiddenFill xmlns:a14="http://schemas.microsoft.com/office/drawing/2010/main">
+              <a14:hiddenFill xmlns:a14="http://schemas.microsoft.com/office/drawing/2010/main" xmlns="">
                 <a:solidFill>
                   <a:srgbClr val="FFFFFF"/>
                 </a:solidFill>
               </a14:hiddenFill>
             </a:ext>
             <a:ext uri="{91240B29-F687-4f45-9708-019B960494DF}">
-              <a14:hiddenLine xmlns:a14="http://schemas.microsoft.com/office/drawing/2010/main" w="9525">
+              <a14:hiddenLine xmlns:a14="http://schemas.microsoft.com/office/drawing/2010/main" xmlns="" w="9525">
                 <a:solidFill>
                   <a:srgbClr val="000000"/>
                 </a:solidFill>
@@ -20805,7 +20821,7 @@
           </a:ln>
           <a:extLst>
             <a:ext uri="{909E8E84-426E-40dd-AFC4-6F175D3DCCD1}">
-              <a14:hiddenFill xmlns:a14="http://schemas.microsoft.com/office/drawing/2010/main">
+              <a14:hiddenFill xmlns:a14="http://schemas.microsoft.com/office/drawing/2010/main" xmlns="">
                 <a:noFill/>
               </a14:hiddenFill>
             </a:ext>
@@ -20839,7 +20855,7 @@
           </a:ln>
           <a:extLst>
             <a:ext uri="{909E8E84-426E-40dd-AFC4-6F175D3DCCD1}">
-              <a14:hiddenFill xmlns:a14="http://schemas.microsoft.com/office/drawing/2010/main">
+              <a14:hiddenFill xmlns:a14="http://schemas.microsoft.com/office/drawing/2010/main" xmlns="">
                 <a:noFill/>
               </a14:hiddenFill>
             </a:ext>
@@ -20861,13 +20877,13 @@
       <p:transition spd="slow" p14:dur="2000"/>
     </mc:Choice>
     <mc:Fallback>
-      <p:transition xmlns:p14="http://schemas.microsoft.com/office/powerpoint/2010/main" spd="slow"/>
+      <p:transition spd="slow"/>
     </mc:Fallback>
   </mc:AlternateContent>
   <p:timing>
     <p:tnLst>
       <p:par>
-        <p:cTn xmlns:p14="http://schemas.microsoft.com/office/powerpoint/2010/main" id="1" dur="indefinite" restart="never" nodeType="tmRoot"/>
+        <p:cTn id="1" dur="indefinite" restart="never" nodeType="tmRoot"/>
       </p:par>
     </p:tnLst>
   </p:timing>
@@ -20951,14 +20967,14 @@
           </a:ln>
           <a:extLst>
             <a:ext uri="{909E8E84-426E-40dd-AFC4-6F175D3DCCD1}">
-              <a14:hiddenFill xmlns:a14="http://schemas.microsoft.com/office/drawing/2010/main">
+              <a14:hiddenFill xmlns:a14="http://schemas.microsoft.com/office/drawing/2010/main" xmlns="">
                 <a:solidFill>
                   <a:srgbClr val="FFFFFF"/>
                 </a:solidFill>
               </a14:hiddenFill>
             </a:ext>
             <a:ext uri="{91240B29-F687-4f45-9708-019B960494DF}">
-              <a14:hiddenLine xmlns:a14="http://schemas.microsoft.com/office/drawing/2010/main" w="9525">
+              <a14:hiddenLine xmlns:a14="http://schemas.microsoft.com/office/drawing/2010/main" xmlns="" w="9525">
                 <a:solidFill>
                   <a:srgbClr val="000000"/>
                 </a:solidFill>
@@ -21208,7 +21224,7 @@
           </a:ln>
           <a:extLst>
             <a:ext uri="{909E8E84-426E-40dd-AFC4-6F175D3DCCD1}">
-              <a14:hiddenFill xmlns:a14="http://schemas.microsoft.com/office/drawing/2010/main">
+              <a14:hiddenFill xmlns:a14="http://schemas.microsoft.com/office/drawing/2010/main" xmlns="">
                 <a:noFill/>
               </a14:hiddenFill>
             </a:ext>
@@ -21242,7 +21258,7 @@
           </a:ln>
           <a:extLst>
             <a:ext uri="{909E8E84-426E-40dd-AFC4-6F175D3DCCD1}">
-              <a14:hiddenFill xmlns:a14="http://schemas.microsoft.com/office/drawing/2010/main">
+              <a14:hiddenFill xmlns:a14="http://schemas.microsoft.com/office/drawing/2010/main" xmlns="">
                 <a:noFill/>
               </a14:hiddenFill>
             </a:ext>
@@ -21264,13 +21280,13 @@
       <p:transition spd="slow" p14:dur="2000"/>
     </mc:Choice>
     <mc:Fallback>
-      <p:transition xmlns:p14="http://schemas.microsoft.com/office/powerpoint/2010/main" spd="slow"/>
+      <p:transition spd="slow"/>
     </mc:Fallback>
   </mc:AlternateContent>
   <p:timing>
     <p:tnLst>
       <p:par>
-        <p:cTn xmlns:p14="http://schemas.microsoft.com/office/powerpoint/2010/main" id="1" dur="indefinite" restart="never" nodeType="tmRoot"/>
+        <p:cTn id="1" dur="indefinite" restart="never" nodeType="tmRoot"/>
       </p:par>
     </p:tnLst>
   </p:timing>
@@ -21317,14 +21333,14 @@
           <a:effectLst/>
           <a:extLst>
             <a:ext uri="{909E8E84-426E-40dd-AFC4-6F175D3DCCD1}">
-              <a14:hiddenFill xmlns:a14="http://schemas.microsoft.com/office/drawing/2010/main">
+              <a14:hiddenFill xmlns:a14="http://schemas.microsoft.com/office/drawing/2010/main" xmlns="">
                 <a:solidFill>
                   <a:schemeClr val="accent1"/>
                 </a:solidFill>
               </a14:hiddenFill>
             </a:ext>
             <a:ext uri="{91240B29-F687-4f45-9708-019B960494DF}">
-              <a14:hiddenLine xmlns:a14="http://schemas.microsoft.com/office/drawing/2010/main" w="9525">
+              <a14:hiddenLine xmlns:a14="http://schemas.microsoft.com/office/drawing/2010/main" xmlns="" w="9525">
                 <a:solidFill>
                   <a:schemeClr val="tx1"/>
                 </a:solidFill>
@@ -21334,7 +21350,7 @@
               </a14:hiddenLine>
             </a:ext>
             <a:ext uri="{AF507438-7753-43e0-B8FC-AC1667EBCBE1}">
-              <a14:hiddenEffects xmlns:a14="http://schemas.microsoft.com/office/drawing/2010/main">
+              <a14:hiddenEffects xmlns:a14="http://schemas.microsoft.com/office/drawing/2010/main" xmlns="">
                 <a:effectLst>
                   <a:outerShdw blurRad="63500" dist="29783" dir="3885598" algn="ctr" rotWithShape="0">
                     <a:schemeClr val="bg2">
@@ -21415,7 +21431,7 @@
           <a:graphicData uri="http://schemas.openxmlformats.org/presentationml/2006/ole">
             <mc:AlternateContent xmlns:mc="http://schemas.openxmlformats.org/markup-compatibility/2006">
               <mc:Choice xmlns:v="urn:schemas-microsoft-com:vml" Requires="v">
-                <p:oleObj spid="_x0000_s1058" name="MS Org Chart" r:id="rId3" imgW="6311880" imgH="1663560" progId="OrgPlusWOPX.4">
+                <p:oleObj spid="_x0000_s1061" name="MS Org Chart" r:id="rId3" imgW="6311880" imgH="1663560" progId="OrgPlusWOPX.4">
                   <p:embed followColorScheme="full"/>
                 </p:oleObj>
               </mc:Choice>
@@ -21457,14 +21473,14 @@
                       </a:ln>
                       <a:extLst>
                         <a:ext uri="{909E8E84-426E-40dd-AFC4-6F175D3DCCD1}">
-                          <a14:hiddenFill xmlns:a14="http://schemas.microsoft.com/office/drawing/2010/main">
+                          <a14:hiddenFill xmlns:a14="http://schemas.microsoft.com/office/drawing/2010/main" xmlns="">
                             <a:solidFill>
                               <a:schemeClr val="accent1"/>
                             </a:solidFill>
                           </a14:hiddenFill>
                         </a:ext>
                         <a:ext uri="{91240B29-F687-4f45-9708-019B960494DF}">
-                          <a14:hiddenLine xmlns:a14="http://schemas.microsoft.com/office/drawing/2010/main" w="9525">
+                          <a14:hiddenLine xmlns:a14="http://schemas.microsoft.com/office/drawing/2010/main" xmlns="" w="9525">
                             <a:solidFill>
                               <a:schemeClr val="tx1"/>
                             </a:solidFill>
@@ -21512,7 +21528,7 @@
           <a:effectLst/>
           <a:extLst>
             <a:ext uri="{AF507438-7753-43e0-B8FC-AC1667EBCBE1}">
-              <a14:hiddenEffects xmlns:a14="http://schemas.microsoft.com/office/drawing/2010/main">
+              <a14:hiddenEffects xmlns:a14="http://schemas.microsoft.com/office/drawing/2010/main" xmlns="">
                 <a:effectLst>
                   <a:outerShdw blurRad="63500" dist="38099" dir="2700000" algn="ctr" rotWithShape="0">
                     <a:schemeClr val="bg2">
@@ -21600,7 +21616,7 @@
           <a:effectLst/>
           <a:extLst>
             <a:ext uri="{AF507438-7753-43e0-B8FC-AC1667EBCBE1}">
-              <a14:hiddenEffects xmlns:a14="http://schemas.microsoft.com/office/drawing/2010/main">
+              <a14:hiddenEffects xmlns:a14="http://schemas.microsoft.com/office/drawing/2010/main" xmlns="">
                 <a:effectLst>
                   <a:outerShdw blurRad="63500" dist="38099" dir="2700000" algn="ctr" rotWithShape="0">
                     <a:schemeClr val="bg2">
@@ -21647,14 +21663,14 @@
           <a:effectLst/>
           <a:extLst>
             <a:ext uri="{909E8E84-426E-40dd-AFC4-6F175D3DCCD1}">
-              <a14:hiddenFill xmlns:a14="http://schemas.microsoft.com/office/drawing/2010/main">
+              <a14:hiddenFill xmlns:a14="http://schemas.microsoft.com/office/drawing/2010/main" xmlns="">
                 <a:solidFill>
                   <a:schemeClr val="accent1"/>
                 </a:solidFill>
               </a14:hiddenFill>
             </a:ext>
             <a:ext uri="{91240B29-F687-4f45-9708-019B960494DF}">
-              <a14:hiddenLine xmlns:a14="http://schemas.microsoft.com/office/drawing/2010/main" w="9525">
+              <a14:hiddenLine xmlns:a14="http://schemas.microsoft.com/office/drawing/2010/main" xmlns="" w="9525">
                 <a:solidFill>
                   <a:schemeClr val="tx1"/>
                 </a:solidFill>
@@ -21664,7 +21680,7 @@
               </a14:hiddenLine>
             </a:ext>
             <a:ext uri="{AF507438-7753-43e0-B8FC-AC1667EBCBE1}">
-              <a14:hiddenEffects xmlns:a14="http://schemas.microsoft.com/office/drawing/2010/main">
+              <a14:hiddenEffects xmlns:a14="http://schemas.microsoft.com/office/drawing/2010/main" xmlns="">
                 <a:effectLst>
                   <a:outerShdw blurRad="63500" dist="38099" dir="2700000" algn="ctr" rotWithShape="0">
                     <a:schemeClr val="bg2">
@@ -21755,12 +21771,12 @@
           <a:effectLst/>
           <a:extLst>
             <a:ext uri="{909E8E84-426E-40dd-AFC4-6F175D3DCCD1}">
-              <a14:hiddenFill xmlns:a14="http://schemas.microsoft.com/office/drawing/2010/main">
+              <a14:hiddenFill xmlns:a14="http://schemas.microsoft.com/office/drawing/2010/main" xmlns="">
                 <a:noFill/>
               </a14:hiddenFill>
             </a:ext>
             <a:ext uri="{AF507438-7753-43e0-B8FC-AC1667EBCBE1}">
-              <a14:hiddenEffects xmlns:a14="http://schemas.microsoft.com/office/drawing/2010/main">
+              <a14:hiddenEffects xmlns:a14="http://schemas.microsoft.com/office/drawing/2010/main" xmlns="">
                 <a:effectLst>
                   <a:outerShdw blurRad="63500" dist="38099" dir="2700000" algn="ctr" rotWithShape="0">
                     <a:schemeClr val="bg2">
@@ -21812,12 +21828,12 @@
           <a:effectLst/>
           <a:extLst>
             <a:ext uri="{909E8E84-426E-40dd-AFC4-6F175D3DCCD1}">
-              <a14:hiddenFill xmlns:a14="http://schemas.microsoft.com/office/drawing/2010/main">
+              <a14:hiddenFill xmlns:a14="http://schemas.microsoft.com/office/drawing/2010/main" xmlns="">
                 <a:noFill/>
               </a14:hiddenFill>
             </a:ext>
             <a:ext uri="{AF507438-7753-43e0-B8FC-AC1667EBCBE1}">
-              <a14:hiddenEffects xmlns:a14="http://schemas.microsoft.com/office/drawing/2010/main">
+              <a14:hiddenEffects xmlns:a14="http://schemas.microsoft.com/office/drawing/2010/main" xmlns="">
                 <a:effectLst>
                   <a:outerShdw blurRad="63500" dist="38099" dir="2700000" algn="ctr" rotWithShape="0">
                     <a:schemeClr val="bg2">
@@ -21869,12 +21885,12 @@
           <a:effectLst/>
           <a:extLst>
             <a:ext uri="{909E8E84-426E-40dd-AFC4-6F175D3DCCD1}">
-              <a14:hiddenFill xmlns:a14="http://schemas.microsoft.com/office/drawing/2010/main">
+              <a14:hiddenFill xmlns:a14="http://schemas.microsoft.com/office/drawing/2010/main" xmlns="">
                 <a:noFill/>
               </a14:hiddenFill>
             </a:ext>
             <a:ext uri="{AF507438-7753-43e0-B8FC-AC1667EBCBE1}">
-              <a14:hiddenEffects xmlns:a14="http://schemas.microsoft.com/office/drawing/2010/main">
+              <a14:hiddenEffects xmlns:a14="http://schemas.microsoft.com/office/drawing/2010/main" xmlns="">
                 <a:effectLst>
                   <a:outerShdw blurRad="63500" dist="38099" dir="2700000" algn="ctr" rotWithShape="0">
                     <a:schemeClr val="bg2">
@@ -21941,7 +21957,7 @@
   <p:timing>
     <p:tnLst>
       <p:par>
-        <p:cTn xmlns:p14="http://schemas.microsoft.com/office/powerpoint/2010/main" id="1" dur="indefinite" restart="never" nodeType="tmRoot"/>
+        <p:cTn id="1" dur="indefinite" restart="never" nodeType="tmRoot"/>
       </p:par>
     </p:tnLst>
   </p:timing>
@@ -22025,14 +22041,14 @@
           </a:ln>
           <a:extLst>
             <a:ext uri="{909E8E84-426E-40dd-AFC4-6F175D3DCCD1}">
-              <a14:hiddenFill xmlns:a14="http://schemas.microsoft.com/office/drawing/2010/main">
+              <a14:hiddenFill xmlns:a14="http://schemas.microsoft.com/office/drawing/2010/main" xmlns="">
                 <a:solidFill>
                   <a:srgbClr val="FFFFFF"/>
                 </a:solidFill>
               </a14:hiddenFill>
             </a:ext>
             <a:ext uri="{91240B29-F687-4f45-9708-019B960494DF}">
-              <a14:hiddenLine xmlns:a14="http://schemas.microsoft.com/office/drawing/2010/main" w="9525">
+              <a14:hiddenLine xmlns:a14="http://schemas.microsoft.com/office/drawing/2010/main" xmlns="" w="9525">
                 <a:solidFill>
                   <a:srgbClr val="000000"/>
                 </a:solidFill>
@@ -22294,7 +22310,7 @@
           </a:ln>
           <a:extLst>
             <a:ext uri="{909E8E84-426E-40dd-AFC4-6F175D3DCCD1}">
-              <a14:hiddenFill xmlns:a14="http://schemas.microsoft.com/office/drawing/2010/main">
+              <a14:hiddenFill xmlns:a14="http://schemas.microsoft.com/office/drawing/2010/main" xmlns="">
                 <a:noFill/>
               </a14:hiddenFill>
             </a:ext>
@@ -22328,7 +22344,7 @@
           </a:ln>
           <a:extLst>
             <a:ext uri="{909E8E84-426E-40dd-AFC4-6F175D3DCCD1}">
-              <a14:hiddenFill xmlns:a14="http://schemas.microsoft.com/office/drawing/2010/main">
+              <a14:hiddenFill xmlns:a14="http://schemas.microsoft.com/office/drawing/2010/main" xmlns="">
                 <a:noFill/>
               </a14:hiddenFill>
             </a:ext>
@@ -22350,13 +22366,13 @@
       <p:transition spd="slow" p14:dur="2000"/>
     </mc:Choice>
     <mc:Fallback>
-      <p:transition xmlns:p14="http://schemas.microsoft.com/office/powerpoint/2010/main" spd="slow"/>
+      <p:transition spd="slow"/>
     </mc:Fallback>
   </mc:AlternateContent>
   <p:timing>
     <p:tnLst>
       <p:par>
-        <p:cTn xmlns:p14="http://schemas.microsoft.com/office/powerpoint/2010/main" id="1" dur="indefinite" restart="never" nodeType="tmRoot"/>
+        <p:cTn id="1" dur="indefinite" restart="never" nodeType="tmRoot"/>
       </p:par>
     </p:tnLst>
   </p:timing>
@@ -22440,14 +22456,14 @@
           </a:ln>
           <a:extLst>
             <a:ext uri="{909E8E84-426E-40dd-AFC4-6F175D3DCCD1}">
-              <a14:hiddenFill xmlns:a14="http://schemas.microsoft.com/office/drawing/2010/main">
+              <a14:hiddenFill xmlns:a14="http://schemas.microsoft.com/office/drawing/2010/main" xmlns="">
                 <a:solidFill>
                   <a:srgbClr val="FFFFFF"/>
                 </a:solidFill>
               </a14:hiddenFill>
             </a:ext>
             <a:ext uri="{91240B29-F687-4f45-9708-019B960494DF}">
-              <a14:hiddenLine xmlns:a14="http://schemas.microsoft.com/office/drawing/2010/main" w="9525">
+              <a14:hiddenLine xmlns:a14="http://schemas.microsoft.com/office/drawing/2010/main" xmlns="" w="9525">
                 <a:solidFill>
                   <a:srgbClr val="000000"/>
                 </a:solidFill>
@@ -22714,7 +22730,7 @@
           </a:ln>
           <a:extLst>
             <a:ext uri="{909E8E84-426E-40dd-AFC4-6F175D3DCCD1}">
-              <a14:hiddenFill xmlns:a14="http://schemas.microsoft.com/office/drawing/2010/main">
+              <a14:hiddenFill xmlns:a14="http://schemas.microsoft.com/office/drawing/2010/main" xmlns="">
                 <a:noFill/>
               </a14:hiddenFill>
             </a:ext>
@@ -22748,7 +22764,7 @@
           </a:ln>
           <a:extLst>
             <a:ext uri="{909E8E84-426E-40dd-AFC4-6F175D3DCCD1}">
-              <a14:hiddenFill xmlns:a14="http://schemas.microsoft.com/office/drawing/2010/main">
+              <a14:hiddenFill xmlns:a14="http://schemas.microsoft.com/office/drawing/2010/main" xmlns="">
                 <a:noFill/>
               </a14:hiddenFill>
             </a:ext>
@@ -22793,14 +22809,14 @@
             </a:ln>
             <a:extLst>
               <a:ext uri="{909E8E84-426E-40dd-AFC4-6F175D3DCCD1}">
-                <a14:hiddenFill xmlns:a14="http://schemas.microsoft.com/office/drawing/2010/main">
+                <a14:hiddenFill xmlns:a14="http://schemas.microsoft.com/office/drawing/2010/main" xmlns="">
                   <a:solidFill>
                     <a:srgbClr val="FFFFFF"/>
                   </a:solidFill>
                 </a14:hiddenFill>
               </a:ext>
               <a:ext uri="{91240B29-F687-4f45-9708-019B960494DF}">
-                <a14:hiddenLine xmlns:a14="http://schemas.microsoft.com/office/drawing/2010/main" w="9525">
+                <a14:hiddenLine xmlns:a14="http://schemas.microsoft.com/office/drawing/2010/main" xmlns="" w="9525">
                   <a:solidFill>
                     <a:srgbClr val="000000"/>
                   </a:solidFill>
@@ -23002,14 +23018,14 @@
                 </a:ln>
                 <a:extLst>
                   <a:ext uri="{909E8E84-426E-40dd-AFC4-6F175D3DCCD1}">
-                    <a14:hiddenFill xmlns:a14="http://schemas.microsoft.com/office/drawing/2010/main">
+                    <a14:hiddenFill xmlns:a14="http://schemas.microsoft.com/office/drawing/2010/main" xmlns="">
                       <a:solidFill>
                         <a:srgbClr val="FFFFFF"/>
                       </a:solidFill>
                     </a14:hiddenFill>
                   </a:ext>
                   <a:ext uri="{91240B29-F687-4f45-9708-019B960494DF}">
-                    <a14:hiddenLine xmlns:a14="http://schemas.microsoft.com/office/drawing/2010/main" w="9525">
+                    <a14:hiddenLine xmlns:a14="http://schemas.microsoft.com/office/drawing/2010/main" xmlns="" w="9525">
                       <a:solidFill>
                         <a:srgbClr val="000000"/>
                       </a:solidFill>
@@ -23179,14 +23195,14 @@
                 </a:ln>
                 <a:extLst>
                   <a:ext uri="{909E8E84-426E-40dd-AFC4-6F175D3DCCD1}">
-                    <a14:hiddenFill xmlns:a14="http://schemas.microsoft.com/office/drawing/2010/main">
+                    <a14:hiddenFill xmlns:a14="http://schemas.microsoft.com/office/drawing/2010/main" xmlns="">
                       <a:solidFill>
                         <a:srgbClr val="FFFFFF"/>
                       </a:solidFill>
                     </a14:hiddenFill>
                   </a:ext>
                   <a:ext uri="{91240B29-F687-4f45-9708-019B960494DF}">
-                    <a14:hiddenLine xmlns:a14="http://schemas.microsoft.com/office/drawing/2010/main" w="9525">
+                    <a14:hiddenLine xmlns:a14="http://schemas.microsoft.com/office/drawing/2010/main" xmlns="" w="9525">
                       <a:solidFill>
                         <a:srgbClr val="000000"/>
                       </a:solidFill>
@@ -23362,7 +23378,7 @@
               </a:ln>
               <a:extLst>
                 <a:ext uri="{909E8E84-426E-40dd-AFC4-6F175D3DCCD1}">
-                  <a14:hiddenFill xmlns:a14="http://schemas.microsoft.com/office/drawing/2010/main">
+                  <a14:hiddenFill xmlns:a14="http://schemas.microsoft.com/office/drawing/2010/main" xmlns="">
                     <a:noFill/>
                   </a14:hiddenFill>
                 </a:ext>
@@ -23397,13 +23413,13 @@
       <p:transition spd="slow" p14:dur="2000"/>
     </mc:Choice>
     <mc:Fallback>
-      <p:transition xmlns:p14="http://schemas.microsoft.com/office/powerpoint/2010/main" spd="slow"/>
+      <p:transition spd="slow"/>
     </mc:Fallback>
   </mc:AlternateContent>
   <p:timing>
     <p:tnLst>
       <p:par>
-        <p:cTn xmlns:p14="http://schemas.microsoft.com/office/powerpoint/2010/main" id="1" dur="indefinite" restart="never" nodeType="tmRoot"/>
+        <p:cTn id="1" dur="indefinite" restart="never" nodeType="tmRoot"/>
       </p:par>
     </p:tnLst>
   </p:timing>
@@ -23560,14 +23576,14 @@
           </a:ln>
           <a:extLst>
             <a:ext uri="{909E8E84-426E-40dd-AFC4-6F175D3DCCD1}">
-              <a14:hiddenFill xmlns:a14="http://schemas.microsoft.com/office/drawing/2010/main">
+              <a14:hiddenFill xmlns:a14="http://schemas.microsoft.com/office/drawing/2010/main" xmlns="">
                 <a:solidFill>
                   <a:srgbClr val="FFFFFF"/>
                 </a:solidFill>
               </a14:hiddenFill>
             </a:ext>
             <a:ext uri="{91240B29-F687-4f45-9708-019B960494DF}">
-              <a14:hiddenLine xmlns:a14="http://schemas.microsoft.com/office/drawing/2010/main" w="9525">
+              <a14:hiddenLine xmlns:a14="http://schemas.microsoft.com/office/drawing/2010/main" xmlns="" w="9525">
                 <a:solidFill>
                   <a:srgbClr val="000000"/>
                 </a:solidFill>
@@ -23601,14 +23617,14 @@
           </a:ln>
           <a:extLst>
             <a:ext uri="{909E8E84-426E-40dd-AFC4-6F175D3DCCD1}">
-              <a14:hiddenFill xmlns:a14="http://schemas.microsoft.com/office/drawing/2010/main">
+              <a14:hiddenFill xmlns:a14="http://schemas.microsoft.com/office/drawing/2010/main" xmlns="">
                 <a:solidFill>
                   <a:srgbClr val="FFFFFF"/>
                 </a:solidFill>
               </a14:hiddenFill>
             </a:ext>
             <a:ext uri="{91240B29-F687-4f45-9708-019B960494DF}">
-              <a14:hiddenLine xmlns:a14="http://schemas.microsoft.com/office/drawing/2010/main" w="9525">
+              <a14:hiddenLine xmlns:a14="http://schemas.microsoft.com/office/drawing/2010/main" xmlns="" w="9525">
                 <a:solidFill>
                   <a:srgbClr val="000000"/>
                 </a:solidFill>
@@ -23809,14 +23825,14 @@
             </a:ln>
             <a:extLst>
               <a:ext uri="{909E8E84-426E-40dd-AFC4-6F175D3DCCD1}">
-                <a14:hiddenFill xmlns:a14="http://schemas.microsoft.com/office/drawing/2010/main">
+                <a14:hiddenFill xmlns:a14="http://schemas.microsoft.com/office/drawing/2010/main" xmlns="">
                   <a:solidFill>
                     <a:srgbClr val="FFFFFF"/>
                   </a:solidFill>
                 </a14:hiddenFill>
               </a:ext>
               <a:ext uri="{91240B29-F687-4f45-9708-019B960494DF}">
-                <a14:hiddenLine xmlns:a14="http://schemas.microsoft.com/office/drawing/2010/main" w="9525">
+                <a14:hiddenLine xmlns:a14="http://schemas.microsoft.com/office/drawing/2010/main" xmlns="" w="9525">
                   <a:solidFill>
                     <a:srgbClr val="000000"/>
                   </a:solidFill>
@@ -24018,14 +24034,14 @@
                 </a:ln>
                 <a:extLst>
                   <a:ext uri="{909E8E84-426E-40dd-AFC4-6F175D3DCCD1}">
-                    <a14:hiddenFill xmlns:a14="http://schemas.microsoft.com/office/drawing/2010/main">
+                    <a14:hiddenFill xmlns:a14="http://schemas.microsoft.com/office/drawing/2010/main" xmlns="">
                       <a:solidFill>
                         <a:srgbClr val="FFFFFF"/>
                       </a:solidFill>
                     </a14:hiddenFill>
                   </a:ext>
                   <a:ext uri="{91240B29-F687-4f45-9708-019B960494DF}">
-                    <a14:hiddenLine xmlns:a14="http://schemas.microsoft.com/office/drawing/2010/main" w="9525">
+                    <a14:hiddenLine xmlns:a14="http://schemas.microsoft.com/office/drawing/2010/main" xmlns="" w="9525">
                       <a:solidFill>
                         <a:srgbClr val="000000"/>
                       </a:solidFill>
@@ -24195,14 +24211,14 @@
                 </a:ln>
                 <a:extLst>
                   <a:ext uri="{909E8E84-426E-40dd-AFC4-6F175D3DCCD1}">
-                    <a14:hiddenFill xmlns:a14="http://schemas.microsoft.com/office/drawing/2010/main">
+                    <a14:hiddenFill xmlns:a14="http://schemas.microsoft.com/office/drawing/2010/main" xmlns="">
                       <a:solidFill>
                         <a:srgbClr val="FFFFFF"/>
                       </a:solidFill>
                     </a14:hiddenFill>
                   </a:ext>
                   <a:ext uri="{91240B29-F687-4f45-9708-019B960494DF}">
-                    <a14:hiddenLine xmlns:a14="http://schemas.microsoft.com/office/drawing/2010/main" w="9525">
+                    <a14:hiddenLine xmlns:a14="http://schemas.microsoft.com/office/drawing/2010/main" xmlns="" w="9525">
                       <a:solidFill>
                         <a:srgbClr val="000000"/>
                       </a:solidFill>
@@ -24378,7 +24394,7 @@
               </a:ln>
               <a:extLst>
                 <a:ext uri="{909E8E84-426E-40dd-AFC4-6F175D3DCCD1}">
-                  <a14:hiddenFill xmlns:a14="http://schemas.microsoft.com/office/drawing/2010/main">
+                  <a14:hiddenFill xmlns:a14="http://schemas.microsoft.com/office/drawing/2010/main" xmlns="">
                     <a:noFill/>
                   </a14:hiddenFill>
                 </a:ext>
@@ -24413,13 +24429,13 @@
       <p:transition spd="slow" p14:dur="2000"/>
     </mc:Choice>
     <mc:Fallback>
-      <p:transition xmlns:p14="http://schemas.microsoft.com/office/powerpoint/2010/main" spd="slow"/>
+      <p:transition spd="slow"/>
     </mc:Fallback>
   </mc:AlternateContent>
   <p:timing>
     <p:tnLst>
       <p:par>
-        <p:cTn xmlns:p14="http://schemas.microsoft.com/office/powerpoint/2010/main" id="1" dur="indefinite" restart="never" nodeType="tmRoot"/>
+        <p:cTn id="1" dur="indefinite" restart="never" nodeType="tmRoot"/>
       </p:par>
     </p:tnLst>
   </p:timing>
@@ -24563,7 +24579,7 @@
   <p:timing>
     <p:tnLst>
       <p:par>
-        <p:cTn xmlns:p14="http://schemas.microsoft.com/office/powerpoint/2010/main" id="1" dur="indefinite" restart="never" nodeType="tmRoot"/>
+        <p:cTn id="1" dur="indefinite" restart="never" nodeType="tmRoot"/>
       </p:par>
     </p:tnLst>
   </p:timing>
@@ -24661,7 +24677,7 @@
           <a:graphicData uri="http://schemas.openxmlformats.org/presentationml/2006/ole">
             <mc:AlternateContent xmlns:mc="http://schemas.openxmlformats.org/markup-compatibility/2006">
               <mc:Choice xmlns:v="urn:schemas-microsoft-com:vml" Requires="v">
-                <p:oleObj spid="_x0000_s324766" name="Equation" r:id="rId4" imgW="1409700" imgH="431800" progId="Equation.3">
+                <p:oleObj spid="_x0000_s324777" name="Equation" r:id="rId4" imgW="1409700" imgH="431800" progId="Equation.3">
                   <p:embed/>
                 </p:oleObj>
               </mc:Choice>
@@ -24718,7 +24734,7 @@
           <a:graphicData uri="http://schemas.openxmlformats.org/presentationml/2006/ole">
             <mc:AlternateContent xmlns:mc="http://schemas.openxmlformats.org/markup-compatibility/2006">
               <mc:Choice xmlns:v="urn:schemas-microsoft-com:vml" Requires="v">
-                <p:oleObj spid="_x0000_s324767" name="Equation" r:id="rId6" imgW="1993900" imgH="419100" progId="Equation.3">
+                <p:oleObj spid="_x0000_s324778" name="Equation" r:id="rId6" imgW="1993900" imgH="419100" progId="Equation.3">
                   <p:embed/>
                 </p:oleObj>
               </mc:Choice>
@@ -24775,7 +24791,7 @@
           <a:graphicData uri="http://schemas.openxmlformats.org/presentationml/2006/ole">
             <mc:AlternateContent xmlns:mc="http://schemas.openxmlformats.org/markup-compatibility/2006">
               <mc:Choice xmlns:v="urn:schemas-microsoft-com:vml" Requires="v">
-                <p:oleObj spid="_x0000_s324768" name="Equation" r:id="rId8" imgW="1041400" imgH="203200" progId="Equation.3">
+                <p:oleObj spid="_x0000_s324779" name="Equation" r:id="rId8" imgW="1041400" imgH="203200" progId="Equation.3">
                   <p:embed/>
                 </p:oleObj>
               </mc:Choice>
@@ -24832,7 +24848,7 @@
           <a:graphicData uri="http://schemas.openxmlformats.org/presentationml/2006/ole">
             <mc:AlternateContent xmlns:mc="http://schemas.openxmlformats.org/markup-compatibility/2006">
               <mc:Choice xmlns:v="urn:schemas-microsoft-com:vml" Requires="v">
-                <p:oleObj spid="_x0000_s324769" name="Equation" r:id="rId10" imgW="1955800" imgH="419100" progId="Equation.3">
+                <p:oleObj spid="_x0000_s324780" name="Equation" r:id="rId10" imgW="1955800" imgH="419100" progId="Equation.3">
                   <p:embed/>
                 </p:oleObj>
               </mc:Choice>
@@ -24889,7 +24905,7 @@
           <a:graphicData uri="http://schemas.openxmlformats.org/presentationml/2006/ole">
             <mc:AlternateContent xmlns:mc="http://schemas.openxmlformats.org/markup-compatibility/2006">
               <mc:Choice xmlns:v="urn:schemas-microsoft-com:vml" Requires="v">
-                <p:oleObj spid="_x0000_s324770" name="Equation" r:id="rId12" imgW="1079500" imgH="393700" progId="Equation.3">
+                <p:oleObj spid="_x0000_s324781" name="Equation" r:id="rId12" imgW="1079500" imgH="393700" progId="Equation.3">
                   <p:embed/>
                 </p:oleObj>
               </mc:Choice>
@@ -24967,7 +24983,7 @@
   <p:timing>
     <p:tnLst>
       <p:par>
-        <p:cTn xmlns:p14="http://schemas.microsoft.com/office/powerpoint/2010/main" id="1" dur="indefinite" restart="never" nodeType="tmRoot">
+        <p:cTn id="1" dur="indefinite" restart="never" nodeType="tmRoot">
           <p:childTnLst>
             <p:seq concurrent="1" nextAc="seek">
               <p:cTn id="2" dur="indefinite" nodeType="mainSeq">
@@ -25316,7 +25332,7 @@
   <p:timing>
     <p:tnLst>
       <p:par>
-        <p:cTn xmlns:p14="http://schemas.microsoft.com/office/powerpoint/2010/main" id="1" dur="indefinite" restart="never" nodeType="tmRoot">
+        <p:cTn id="1" dur="indefinite" restart="never" nodeType="tmRoot">
           <p:childTnLst>
             <p:seq concurrent="1" nextAc="seek">
               <p:cTn id="2" dur="indefinite" nodeType="mainSeq">
@@ -25750,7 +25766,7 @@
   <p:timing>
     <p:tnLst>
       <p:par>
-        <p:cTn xmlns:p14="http://schemas.microsoft.com/office/powerpoint/2010/main" id="1" dur="indefinite" restart="never" nodeType="tmRoot"/>
+        <p:cTn id="1" dur="indefinite" restart="never" nodeType="tmRoot"/>
       </p:par>
     </p:tnLst>
   </p:timing>
@@ -25865,14 +25881,14 @@
           </a:ln>
           <a:extLst>
             <a:ext uri="{909E8E84-426E-40dd-AFC4-6F175D3DCCD1}">
-              <a14:hiddenFill xmlns:a14="http://schemas.microsoft.com/office/drawing/2010/main">
+              <a14:hiddenFill xmlns:a14="http://schemas.microsoft.com/office/drawing/2010/main" xmlns="">
                 <a:solidFill>
                   <a:srgbClr val="FFFFFF"/>
                 </a:solidFill>
               </a14:hiddenFill>
             </a:ext>
             <a:ext uri="{91240B29-F687-4f45-9708-019B960494DF}">
-              <a14:hiddenLine xmlns:a14="http://schemas.microsoft.com/office/drawing/2010/main" w="9525">
+              <a14:hiddenLine xmlns:a14="http://schemas.microsoft.com/office/drawing/2010/main" xmlns="" w="9525">
                 <a:solidFill>
                   <a:srgbClr val="000000"/>
                 </a:solidFill>
@@ -25906,14 +25922,14 @@
           </a:ln>
           <a:extLst>
             <a:ext uri="{909E8E84-426E-40dd-AFC4-6F175D3DCCD1}">
-              <a14:hiddenFill xmlns:a14="http://schemas.microsoft.com/office/drawing/2010/main">
+              <a14:hiddenFill xmlns:a14="http://schemas.microsoft.com/office/drawing/2010/main" xmlns="">
                 <a:solidFill>
                   <a:srgbClr val="FFFFFF"/>
                 </a:solidFill>
               </a14:hiddenFill>
             </a:ext>
             <a:ext uri="{91240B29-F687-4f45-9708-019B960494DF}">
-              <a14:hiddenLine xmlns:a14="http://schemas.microsoft.com/office/drawing/2010/main" w="9525">
+              <a14:hiddenLine xmlns:a14="http://schemas.microsoft.com/office/drawing/2010/main" xmlns="" w="9525">
                 <a:solidFill>
                   <a:srgbClr val="000000"/>
                 </a:solidFill>
@@ -26236,7 +26252,7 @@
           </a:ln>
           <a:extLst>
             <a:ext uri="{909E8E84-426E-40dd-AFC4-6F175D3DCCD1}">
-              <a14:hiddenFill xmlns:a14="http://schemas.microsoft.com/office/drawing/2010/main">
+              <a14:hiddenFill xmlns:a14="http://schemas.microsoft.com/office/drawing/2010/main" xmlns="">
                 <a:noFill/>
               </a14:hiddenFill>
             </a:ext>
@@ -26277,7 +26293,7 @@
           </a:ln>
           <a:extLst>
             <a:ext uri="{909E8E84-426E-40dd-AFC4-6F175D3DCCD1}">
-              <a14:hiddenFill xmlns:a14="http://schemas.microsoft.com/office/drawing/2010/main">
+              <a14:hiddenFill xmlns:a14="http://schemas.microsoft.com/office/drawing/2010/main" xmlns="">
                 <a:noFill/>
               </a14:hiddenFill>
             </a:ext>
@@ -26318,7 +26334,7 @@
           </a:ln>
           <a:extLst>
             <a:ext uri="{909E8E84-426E-40dd-AFC4-6F175D3DCCD1}">
-              <a14:hiddenFill xmlns:a14="http://schemas.microsoft.com/office/drawing/2010/main">
+              <a14:hiddenFill xmlns:a14="http://schemas.microsoft.com/office/drawing/2010/main" xmlns="">
                 <a:noFill/>
               </a14:hiddenFill>
             </a:ext>
@@ -26359,7 +26375,7 @@
           </a:ln>
           <a:extLst>
             <a:ext uri="{909E8E84-426E-40dd-AFC4-6F175D3DCCD1}">
-              <a14:hiddenFill xmlns:a14="http://schemas.microsoft.com/office/drawing/2010/main">
+              <a14:hiddenFill xmlns:a14="http://schemas.microsoft.com/office/drawing/2010/main" xmlns="">
                 <a:noFill/>
               </a14:hiddenFill>
             </a:ext>
@@ -26400,7 +26416,7 @@
           </a:ln>
           <a:extLst>
             <a:ext uri="{909E8E84-426E-40dd-AFC4-6F175D3DCCD1}">
-              <a14:hiddenFill xmlns:a14="http://schemas.microsoft.com/office/drawing/2010/main">
+              <a14:hiddenFill xmlns:a14="http://schemas.microsoft.com/office/drawing/2010/main" xmlns="">
                 <a:noFill/>
               </a14:hiddenFill>
             </a:ext>
@@ -26436,14 +26452,14 @@
           </a:ln>
           <a:extLst>
             <a:ext uri="{909E8E84-426E-40dd-AFC4-6F175D3DCCD1}">
-              <a14:hiddenFill xmlns:a14="http://schemas.microsoft.com/office/drawing/2010/main">
+              <a14:hiddenFill xmlns:a14="http://schemas.microsoft.com/office/drawing/2010/main" xmlns="">
                 <a:solidFill>
                   <a:srgbClr val="FFFFFF"/>
                 </a:solidFill>
               </a14:hiddenFill>
             </a:ext>
             <a:ext uri="{91240B29-F687-4f45-9708-019B960494DF}">
-              <a14:hiddenLine xmlns:a14="http://schemas.microsoft.com/office/drawing/2010/main" w="9525">
+              <a14:hiddenLine xmlns:a14="http://schemas.microsoft.com/office/drawing/2010/main" xmlns="" w="9525">
                 <a:solidFill>
                   <a:srgbClr val="000000"/>
                 </a:solidFill>
@@ -26587,7 +26603,7 @@
   <p:timing>
     <p:tnLst>
       <p:par>
-        <p:cTn xmlns:p14="http://schemas.microsoft.com/office/powerpoint/2010/main" id="1" dur="indefinite" restart="never" nodeType="tmRoot"/>
+        <p:cTn id="1" dur="indefinite" restart="never" nodeType="tmRoot"/>
       </p:par>
     </p:tnLst>
   </p:timing>
@@ -26706,14 +26722,14 @@
           </a:ln>
           <a:extLst>
             <a:ext uri="{909E8E84-426E-40dd-AFC4-6F175D3DCCD1}">
-              <a14:hiddenFill xmlns:a14="http://schemas.microsoft.com/office/drawing/2010/main">
+              <a14:hiddenFill xmlns:a14="http://schemas.microsoft.com/office/drawing/2010/main" xmlns="">
                 <a:solidFill>
                   <a:srgbClr val="FFFFFF"/>
                 </a:solidFill>
               </a14:hiddenFill>
             </a:ext>
             <a:ext uri="{91240B29-F687-4f45-9708-019B960494DF}">
-              <a14:hiddenLine xmlns:a14="http://schemas.microsoft.com/office/drawing/2010/main" w="9525">
+              <a14:hiddenLine xmlns:a14="http://schemas.microsoft.com/office/drawing/2010/main" xmlns="" w="9525">
                 <a:solidFill>
                   <a:srgbClr val="000000"/>
                 </a:solidFill>
@@ -26747,14 +26763,14 @@
           </a:ln>
           <a:extLst>
             <a:ext uri="{909E8E84-426E-40dd-AFC4-6F175D3DCCD1}">
-              <a14:hiddenFill xmlns:a14="http://schemas.microsoft.com/office/drawing/2010/main">
+              <a14:hiddenFill xmlns:a14="http://schemas.microsoft.com/office/drawing/2010/main" xmlns="">
                 <a:solidFill>
                   <a:srgbClr val="FFFFFF"/>
                 </a:solidFill>
               </a14:hiddenFill>
             </a:ext>
             <a:ext uri="{91240B29-F687-4f45-9708-019B960494DF}">
-              <a14:hiddenLine xmlns:a14="http://schemas.microsoft.com/office/drawing/2010/main" w="9525">
+              <a14:hiddenLine xmlns:a14="http://schemas.microsoft.com/office/drawing/2010/main" xmlns="" w="9525">
                 <a:solidFill>
                   <a:srgbClr val="000000"/>
                 </a:solidFill>
@@ -27084,7 +27100,7 @@
           </a:ln>
           <a:extLst>
             <a:ext uri="{909E8E84-426E-40dd-AFC4-6F175D3DCCD1}">
-              <a14:hiddenFill xmlns:a14="http://schemas.microsoft.com/office/drawing/2010/main">
+              <a14:hiddenFill xmlns:a14="http://schemas.microsoft.com/office/drawing/2010/main" xmlns="">
                 <a:noFill/>
               </a14:hiddenFill>
             </a:ext>
@@ -27125,7 +27141,7 @@
           </a:ln>
           <a:extLst>
             <a:ext uri="{909E8E84-426E-40dd-AFC4-6F175D3DCCD1}">
-              <a14:hiddenFill xmlns:a14="http://schemas.microsoft.com/office/drawing/2010/main">
+              <a14:hiddenFill xmlns:a14="http://schemas.microsoft.com/office/drawing/2010/main" xmlns="">
                 <a:noFill/>
               </a14:hiddenFill>
             </a:ext>
@@ -27166,7 +27182,7 @@
           </a:ln>
           <a:extLst>
             <a:ext uri="{909E8E84-426E-40dd-AFC4-6F175D3DCCD1}">
-              <a14:hiddenFill xmlns:a14="http://schemas.microsoft.com/office/drawing/2010/main">
+              <a14:hiddenFill xmlns:a14="http://schemas.microsoft.com/office/drawing/2010/main" xmlns="">
                 <a:noFill/>
               </a14:hiddenFill>
             </a:ext>
@@ -27207,7 +27223,7 @@
           </a:ln>
           <a:extLst>
             <a:ext uri="{909E8E84-426E-40dd-AFC4-6F175D3DCCD1}">
-              <a14:hiddenFill xmlns:a14="http://schemas.microsoft.com/office/drawing/2010/main">
+              <a14:hiddenFill xmlns:a14="http://schemas.microsoft.com/office/drawing/2010/main" xmlns="">
                 <a:noFill/>
               </a14:hiddenFill>
             </a:ext>
@@ -27248,7 +27264,7 @@
           </a:ln>
           <a:extLst>
             <a:ext uri="{909E8E84-426E-40dd-AFC4-6F175D3DCCD1}">
-              <a14:hiddenFill xmlns:a14="http://schemas.microsoft.com/office/drawing/2010/main">
+              <a14:hiddenFill xmlns:a14="http://schemas.microsoft.com/office/drawing/2010/main" xmlns="">
                 <a:noFill/>
               </a14:hiddenFill>
             </a:ext>
@@ -27284,14 +27300,14 @@
           </a:ln>
           <a:extLst>
             <a:ext uri="{909E8E84-426E-40dd-AFC4-6F175D3DCCD1}">
-              <a14:hiddenFill xmlns:a14="http://schemas.microsoft.com/office/drawing/2010/main">
+              <a14:hiddenFill xmlns:a14="http://schemas.microsoft.com/office/drawing/2010/main" xmlns="">
                 <a:solidFill>
                   <a:srgbClr val="FFFFFF"/>
                 </a:solidFill>
               </a14:hiddenFill>
             </a:ext>
             <a:ext uri="{91240B29-F687-4f45-9708-019B960494DF}">
-              <a14:hiddenLine xmlns:a14="http://schemas.microsoft.com/office/drawing/2010/main" w="9525">
+              <a14:hiddenLine xmlns:a14="http://schemas.microsoft.com/office/drawing/2010/main" xmlns="" w="9525">
                 <a:solidFill>
                   <a:srgbClr val="000000"/>
                 </a:solidFill>
@@ -27435,7 +27451,7 @@
   <p:timing>
     <p:tnLst>
       <p:par>
-        <p:cTn xmlns:p14="http://schemas.microsoft.com/office/powerpoint/2010/main" id="1" dur="indefinite" restart="never" nodeType="tmRoot"/>
+        <p:cTn id="1" dur="indefinite" restart="never" nodeType="tmRoot"/>
       </p:par>
     </p:tnLst>
   </p:timing>
@@ -27527,7 +27543,7 @@
   <p:timing>
     <p:tnLst>
       <p:par>
-        <p:cTn xmlns:p14="http://schemas.microsoft.com/office/powerpoint/2010/main" id="1" dur="indefinite" restart="never" nodeType="tmRoot"/>
+        <p:cTn id="1" dur="indefinite" restart="never" nodeType="tmRoot"/>
       </p:par>
     </p:tnLst>
   </p:timing>
@@ -27573,7 +27589,7 @@
           <a:graphicData uri="http://schemas.openxmlformats.org/presentationml/2006/ole">
             <mc:AlternateContent xmlns:mc="http://schemas.openxmlformats.org/markup-compatibility/2006">
               <mc:Choice xmlns:v="urn:schemas-microsoft-com:vml" Requires="v">
-                <p:oleObj spid="_x0000_s322594" name="MS Org Chart" r:id="rId4" imgW="6311880" imgH="1663560" progId="OrgPlusWOPX.4">
+                <p:oleObj spid="_x0000_s322597" name="MS Org Chart" r:id="rId4" imgW="6311880" imgH="1663560" progId="OrgPlusWOPX.4">
                   <p:embed followColorScheme="full"/>
                 </p:oleObj>
               </mc:Choice>
@@ -27615,14 +27631,14 @@
                       </a:ln>
                       <a:extLst>
                         <a:ext uri="{909E8E84-426E-40dd-AFC4-6F175D3DCCD1}">
-                          <a14:hiddenFill xmlns:a14="http://schemas.microsoft.com/office/drawing/2010/main">
+                          <a14:hiddenFill xmlns:a14="http://schemas.microsoft.com/office/drawing/2010/main" xmlns="">
                             <a:solidFill>
                               <a:schemeClr val="accent1"/>
                             </a:solidFill>
                           </a14:hiddenFill>
                         </a:ext>
                         <a:ext uri="{91240B29-F687-4f45-9708-019B960494DF}">
-                          <a14:hiddenLine xmlns:a14="http://schemas.microsoft.com/office/drawing/2010/main" w="9525">
+                          <a14:hiddenLine xmlns:a14="http://schemas.microsoft.com/office/drawing/2010/main" xmlns="" w="9525">
                             <a:solidFill>
                               <a:schemeClr val="tx1"/>
                             </a:solidFill>
@@ -27670,7 +27686,7 @@
           <a:effectLst/>
           <a:extLst>
             <a:ext uri="{AF507438-7753-43e0-B8FC-AC1667EBCBE1}">
-              <a14:hiddenEffects xmlns:a14="http://schemas.microsoft.com/office/drawing/2010/main">
+              <a14:hiddenEffects xmlns:a14="http://schemas.microsoft.com/office/drawing/2010/main" xmlns="">
                 <a:effectLst>
                   <a:outerShdw blurRad="63500" dist="38099" dir="2700000" algn="ctr" rotWithShape="0">
                     <a:schemeClr val="bg2">
@@ -27758,7 +27774,7 @@
           <a:effectLst/>
           <a:extLst>
             <a:ext uri="{AF507438-7753-43e0-B8FC-AC1667EBCBE1}">
-              <a14:hiddenEffects xmlns:a14="http://schemas.microsoft.com/office/drawing/2010/main">
+              <a14:hiddenEffects xmlns:a14="http://schemas.microsoft.com/office/drawing/2010/main" xmlns="">
                 <a:effectLst>
                   <a:outerShdw blurRad="63500" dist="38099" dir="2700000" algn="ctr" rotWithShape="0">
                     <a:schemeClr val="bg2">
@@ -27801,14 +27817,14 @@
           <a:effectLst/>
           <a:extLst>
             <a:ext uri="{909E8E84-426E-40dd-AFC4-6F175D3DCCD1}">
-              <a14:hiddenFill xmlns:a14="http://schemas.microsoft.com/office/drawing/2010/main">
+              <a14:hiddenFill xmlns:a14="http://schemas.microsoft.com/office/drawing/2010/main" xmlns="">
                 <a:solidFill>
                   <a:schemeClr val="accent1"/>
                 </a:solidFill>
               </a14:hiddenFill>
             </a:ext>
             <a:ext uri="{91240B29-F687-4f45-9708-019B960494DF}">
-              <a14:hiddenLine xmlns:a14="http://schemas.microsoft.com/office/drawing/2010/main" w="9525">
+              <a14:hiddenLine xmlns:a14="http://schemas.microsoft.com/office/drawing/2010/main" xmlns="" w="9525">
                 <a:solidFill>
                   <a:schemeClr val="tx1"/>
                 </a:solidFill>
@@ -27818,7 +27834,7 @@
               </a14:hiddenLine>
             </a:ext>
             <a:ext uri="{AF507438-7753-43e0-B8FC-AC1667EBCBE1}">
-              <a14:hiddenEffects xmlns:a14="http://schemas.microsoft.com/office/drawing/2010/main">
+              <a14:hiddenEffects xmlns:a14="http://schemas.microsoft.com/office/drawing/2010/main" xmlns="">
                 <a:effectLst>
                   <a:outerShdw blurRad="63500" dist="38099" dir="2700000" algn="ctr" rotWithShape="0">
                     <a:schemeClr val="bg2">
@@ -27909,12 +27925,12 @@
           <a:effectLst/>
           <a:extLst>
             <a:ext uri="{909E8E84-426E-40dd-AFC4-6F175D3DCCD1}">
-              <a14:hiddenFill xmlns:a14="http://schemas.microsoft.com/office/drawing/2010/main">
+              <a14:hiddenFill xmlns:a14="http://schemas.microsoft.com/office/drawing/2010/main" xmlns="">
                 <a:noFill/>
               </a14:hiddenFill>
             </a:ext>
             <a:ext uri="{AF507438-7753-43e0-B8FC-AC1667EBCBE1}">
-              <a14:hiddenEffects xmlns:a14="http://schemas.microsoft.com/office/drawing/2010/main">
+              <a14:hiddenEffects xmlns:a14="http://schemas.microsoft.com/office/drawing/2010/main" xmlns="">
                 <a:effectLst>
                   <a:outerShdw blurRad="63500" dist="38099" dir="2700000" algn="ctr" rotWithShape="0">
                     <a:schemeClr val="bg2">
@@ -27966,12 +27982,12 @@
           <a:effectLst/>
           <a:extLst>
             <a:ext uri="{909E8E84-426E-40dd-AFC4-6F175D3DCCD1}">
-              <a14:hiddenFill xmlns:a14="http://schemas.microsoft.com/office/drawing/2010/main">
+              <a14:hiddenFill xmlns:a14="http://schemas.microsoft.com/office/drawing/2010/main" xmlns="">
                 <a:noFill/>
               </a14:hiddenFill>
             </a:ext>
             <a:ext uri="{AF507438-7753-43e0-B8FC-AC1667EBCBE1}">
-              <a14:hiddenEffects xmlns:a14="http://schemas.microsoft.com/office/drawing/2010/main">
+              <a14:hiddenEffects xmlns:a14="http://schemas.microsoft.com/office/drawing/2010/main" xmlns="">
                 <a:effectLst>
                   <a:outerShdw blurRad="63500" dist="38099" dir="2700000" algn="ctr" rotWithShape="0">
                     <a:schemeClr val="bg2">
@@ -28023,12 +28039,12 @@
           <a:effectLst/>
           <a:extLst>
             <a:ext uri="{909E8E84-426E-40dd-AFC4-6F175D3DCCD1}">
-              <a14:hiddenFill xmlns:a14="http://schemas.microsoft.com/office/drawing/2010/main">
+              <a14:hiddenFill xmlns:a14="http://schemas.microsoft.com/office/drawing/2010/main" xmlns="">
                 <a:noFill/>
               </a14:hiddenFill>
             </a:ext>
             <a:ext uri="{AF507438-7753-43e0-B8FC-AC1667EBCBE1}">
-              <a14:hiddenEffects xmlns:a14="http://schemas.microsoft.com/office/drawing/2010/main">
+              <a14:hiddenEffects xmlns:a14="http://schemas.microsoft.com/office/drawing/2010/main" xmlns="">
                 <a:effectLst>
                   <a:outerShdw blurRad="63500" dist="38099" dir="2700000" algn="ctr" rotWithShape="0">
                     <a:schemeClr val="bg2">
@@ -28075,14 +28091,14 @@
           <a:effectLst/>
           <a:extLst>
             <a:ext uri="{909E8E84-426E-40dd-AFC4-6F175D3DCCD1}">
-              <a14:hiddenFill xmlns:a14="http://schemas.microsoft.com/office/drawing/2010/main">
+              <a14:hiddenFill xmlns:a14="http://schemas.microsoft.com/office/drawing/2010/main" xmlns="">
                 <a:solidFill>
                   <a:schemeClr val="accent1"/>
                 </a:solidFill>
               </a14:hiddenFill>
             </a:ext>
             <a:ext uri="{91240B29-F687-4f45-9708-019B960494DF}">
-              <a14:hiddenLine xmlns:a14="http://schemas.microsoft.com/office/drawing/2010/main" w="9525">
+              <a14:hiddenLine xmlns:a14="http://schemas.microsoft.com/office/drawing/2010/main" xmlns="" w="9525">
                 <a:solidFill>
                   <a:schemeClr val="tx1"/>
                 </a:solidFill>
@@ -28092,7 +28108,7 @@
               </a14:hiddenLine>
             </a:ext>
             <a:ext uri="{AF507438-7753-43e0-B8FC-AC1667EBCBE1}">
-              <a14:hiddenEffects xmlns:a14="http://schemas.microsoft.com/office/drawing/2010/main">
+              <a14:hiddenEffects xmlns:a14="http://schemas.microsoft.com/office/drawing/2010/main" xmlns="">
                 <a:effectLst>
                   <a:outerShdw blurRad="63500" dist="29783" dir="3885598" algn="ctr" rotWithShape="0">
                     <a:schemeClr val="bg2">
@@ -28314,7 +28330,7 @@
   <p:timing>
     <p:tnLst>
       <p:par>
-        <p:cTn xmlns:p14="http://schemas.microsoft.com/office/powerpoint/2010/main" id="1" dur="indefinite" restart="never" nodeType="tmRoot"/>
+        <p:cTn id="1" dur="indefinite" restart="never" nodeType="tmRoot"/>
       </p:par>
     </p:tnLst>
   </p:timing>
@@ -28438,14 +28454,14 @@
           </a:ln>
           <a:extLst>
             <a:ext uri="{909E8E84-426E-40dd-AFC4-6F175D3DCCD1}">
-              <a14:hiddenFill xmlns:a14="http://schemas.microsoft.com/office/drawing/2010/main">
+              <a14:hiddenFill xmlns:a14="http://schemas.microsoft.com/office/drawing/2010/main" xmlns="">
                 <a:solidFill>
                   <a:srgbClr val="FFFFFF"/>
                 </a:solidFill>
               </a14:hiddenFill>
             </a:ext>
             <a:ext uri="{91240B29-F687-4f45-9708-019B960494DF}">
-              <a14:hiddenLine xmlns:a14="http://schemas.microsoft.com/office/drawing/2010/main" w="9525">
+              <a14:hiddenLine xmlns:a14="http://schemas.microsoft.com/office/drawing/2010/main" xmlns="" w="9525">
                 <a:solidFill>
                   <a:srgbClr val="000000"/>
                 </a:solidFill>
@@ -28492,14 +28508,14 @@
           </a:ln>
           <a:extLst>
             <a:ext uri="{909E8E84-426E-40dd-AFC4-6F175D3DCCD1}">
-              <a14:hiddenFill xmlns:a14="http://schemas.microsoft.com/office/drawing/2010/main">
+              <a14:hiddenFill xmlns:a14="http://schemas.microsoft.com/office/drawing/2010/main" xmlns="">
                 <a:solidFill>
                   <a:srgbClr val="FFFFFF"/>
                 </a:solidFill>
               </a14:hiddenFill>
             </a:ext>
             <a:ext uri="{91240B29-F687-4f45-9708-019B960494DF}">
-              <a14:hiddenLine xmlns:a14="http://schemas.microsoft.com/office/drawing/2010/main" w="9525">
+              <a14:hiddenLine xmlns:a14="http://schemas.microsoft.com/office/drawing/2010/main" xmlns="" w="9525">
                 <a:solidFill>
                   <a:srgbClr val="000000"/>
                 </a:solidFill>
@@ -28538,7 +28554,7 @@
           </a:ln>
           <a:extLst>
             <a:ext uri="{909E8E84-426E-40dd-AFC4-6F175D3DCCD1}">
-              <a14:hiddenFill xmlns:a14="http://schemas.microsoft.com/office/drawing/2010/main">
+              <a14:hiddenFill xmlns:a14="http://schemas.microsoft.com/office/drawing/2010/main" xmlns="">
                 <a:noFill/>
               </a14:hiddenFill>
             </a:ext>
@@ -28579,7 +28595,7 @@
           </a:ln>
           <a:extLst>
             <a:ext uri="{909E8E84-426E-40dd-AFC4-6F175D3DCCD1}">
-              <a14:hiddenFill xmlns:a14="http://schemas.microsoft.com/office/drawing/2010/main">
+              <a14:hiddenFill xmlns:a14="http://schemas.microsoft.com/office/drawing/2010/main" xmlns="">
                 <a:noFill/>
               </a14:hiddenFill>
             </a:ext>
@@ -28628,14 +28644,14 @@
           </a:ln>
           <a:extLst>
             <a:ext uri="{909E8E84-426E-40dd-AFC4-6F175D3DCCD1}">
-              <a14:hiddenFill xmlns:a14="http://schemas.microsoft.com/office/drawing/2010/main">
+              <a14:hiddenFill xmlns:a14="http://schemas.microsoft.com/office/drawing/2010/main" xmlns="">
                 <a:solidFill>
                   <a:srgbClr val="FFFFFF"/>
                 </a:solidFill>
               </a14:hiddenFill>
             </a:ext>
             <a:ext uri="{91240B29-F687-4f45-9708-019B960494DF}">
-              <a14:hiddenLine xmlns:a14="http://schemas.microsoft.com/office/drawing/2010/main" w="9525">
+              <a14:hiddenLine xmlns:a14="http://schemas.microsoft.com/office/drawing/2010/main" xmlns="" w="9525">
                 <a:solidFill>
                   <a:srgbClr val="000000"/>
                 </a:solidFill>
@@ -28669,14 +28685,14 @@
           </a:ln>
           <a:extLst>
             <a:ext uri="{909E8E84-426E-40dd-AFC4-6F175D3DCCD1}">
-              <a14:hiddenFill xmlns:a14="http://schemas.microsoft.com/office/drawing/2010/main">
+              <a14:hiddenFill xmlns:a14="http://schemas.microsoft.com/office/drawing/2010/main" xmlns="">
                 <a:solidFill>
                   <a:srgbClr val="FFFFFF"/>
                 </a:solidFill>
               </a14:hiddenFill>
             </a:ext>
             <a:ext uri="{91240B29-F687-4f45-9708-019B960494DF}">
-              <a14:hiddenLine xmlns:a14="http://schemas.microsoft.com/office/drawing/2010/main" w="9525">
+              <a14:hiddenLine xmlns:a14="http://schemas.microsoft.com/office/drawing/2010/main" xmlns="" w="9525">
                 <a:solidFill>
                   <a:srgbClr val="000000"/>
                 </a:solidFill>
@@ -28832,14 +28848,14 @@
           </a:ln>
           <a:extLst>
             <a:ext uri="{909E8E84-426E-40dd-AFC4-6F175D3DCCD1}">
-              <a14:hiddenFill xmlns:a14="http://schemas.microsoft.com/office/drawing/2010/main">
+              <a14:hiddenFill xmlns:a14="http://schemas.microsoft.com/office/drawing/2010/main" xmlns="">
                 <a:solidFill>
                   <a:srgbClr val="FFFFFF"/>
                 </a:solidFill>
               </a14:hiddenFill>
             </a:ext>
             <a:ext uri="{91240B29-F687-4f45-9708-019B960494DF}">
-              <a14:hiddenLine xmlns:a14="http://schemas.microsoft.com/office/drawing/2010/main" w="9525">
+              <a14:hiddenLine xmlns:a14="http://schemas.microsoft.com/office/drawing/2010/main" xmlns="" w="9525">
                 <a:solidFill>
                   <a:srgbClr val="000000"/>
                 </a:solidFill>
@@ -28995,14 +29011,14 @@
           </a:ln>
           <a:extLst>
             <a:ext uri="{909E8E84-426E-40dd-AFC4-6F175D3DCCD1}">
-              <a14:hiddenFill xmlns:a14="http://schemas.microsoft.com/office/drawing/2010/main">
+              <a14:hiddenFill xmlns:a14="http://schemas.microsoft.com/office/drawing/2010/main" xmlns="">
                 <a:solidFill>
                   <a:srgbClr val="FFFFFF"/>
                 </a:solidFill>
               </a14:hiddenFill>
             </a:ext>
             <a:ext uri="{91240B29-F687-4f45-9708-019B960494DF}">
-              <a14:hiddenLine xmlns:a14="http://schemas.microsoft.com/office/drawing/2010/main" w="9525">
+              <a14:hiddenLine xmlns:a14="http://schemas.microsoft.com/office/drawing/2010/main" xmlns="" w="9525">
                 <a:solidFill>
                   <a:srgbClr val="000000"/>
                 </a:solidFill>
@@ -29151,14 +29167,14 @@
           </a:ln>
           <a:extLst>
             <a:ext uri="{909E8E84-426E-40dd-AFC4-6F175D3DCCD1}">
-              <a14:hiddenFill xmlns:a14="http://schemas.microsoft.com/office/drawing/2010/main">
+              <a14:hiddenFill xmlns:a14="http://schemas.microsoft.com/office/drawing/2010/main" xmlns="">
                 <a:solidFill>
                   <a:srgbClr val="FFFFFF"/>
                 </a:solidFill>
               </a14:hiddenFill>
             </a:ext>
             <a:ext uri="{91240B29-F687-4f45-9708-019B960494DF}">
-              <a14:hiddenLine xmlns:a14="http://schemas.microsoft.com/office/drawing/2010/main" w="9525">
+              <a14:hiddenLine xmlns:a14="http://schemas.microsoft.com/office/drawing/2010/main" xmlns="" w="9525">
                 <a:solidFill>
                   <a:srgbClr val="000000"/>
                 </a:solidFill>
@@ -29351,7 +29367,7 @@
   <p:timing>
     <p:tnLst>
       <p:par>
-        <p:cTn xmlns:p14="http://schemas.microsoft.com/office/powerpoint/2010/main" id="1" dur="indefinite" restart="never" nodeType="tmRoot"/>
+        <p:cTn id="1" dur="indefinite" restart="never" nodeType="tmRoot"/>
       </p:par>
     </p:tnLst>
   </p:timing>
@@ -29463,13 +29479,13 @@
       <p:transition spd="slow" p14:dur="2000"/>
     </mc:Choice>
     <mc:Fallback>
-      <p:transition xmlns:p14="http://schemas.microsoft.com/office/powerpoint/2010/main" spd="slow"/>
+      <p:transition spd="slow"/>
     </mc:Fallback>
   </mc:AlternateContent>
   <p:timing>
     <p:tnLst>
       <p:par>
-        <p:cTn xmlns:p14="http://schemas.microsoft.com/office/powerpoint/2010/main" id="1" dur="indefinite" restart="never" nodeType="tmRoot">
+        <p:cTn id="1" dur="indefinite" restart="never" nodeType="tmRoot">
           <p:childTnLst>
             <p:seq concurrent="1" nextAc="seek">
               <p:cTn id="2" dur="indefinite" nodeType="mainSeq">
@@ -29798,13 +29814,13 @@
       <p:transition spd="slow" p14:dur="2000"/>
     </mc:Choice>
     <mc:Fallback>
-      <p:transition xmlns:p14="http://schemas.microsoft.com/office/powerpoint/2010/main" spd="slow"/>
+      <p:transition spd="slow"/>
     </mc:Fallback>
   </mc:AlternateContent>
   <p:timing>
     <p:tnLst>
       <p:par>
-        <p:cTn xmlns:p14="http://schemas.microsoft.com/office/powerpoint/2010/main" id="1" dur="indefinite" restart="never" nodeType="tmRoot"/>
+        <p:cTn id="1" dur="indefinite" restart="never" nodeType="tmRoot"/>
       </p:par>
     </p:tnLst>
   </p:timing>
@@ -30548,13 +30564,13 @@
       <p:transition spd="slow" p14:dur="2000"/>
     </mc:Choice>
     <mc:Fallback>
-      <p:transition xmlns:p14="http://schemas.microsoft.com/office/powerpoint/2010/main" spd="slow"/>
+      <p:transition spd="slow"/>
     </mc:Fallback>
   </mc:AlternateContent>
   <p:timing>
     <p:tnLst>
       <p:par>
-        <p:cTn xmlns:p14="http://schemas.microsoft.com/office/powerpoint/2010/main" id="1" dur="indefinite" restart="never" nodeType="tmRoot">
+        <p:cTn id="1" dur="indefinite" restart="never" nodeType="tmRoot">
           <p:childTnLst>
             <p:seq concurrent="1" nextAc="seek">
               <p:cTn id="2" dur="indefinite" nodeType="mainSeq">
@@ -31157,13 +31173,13 @@
       <p:transition spd="slow" p14:dur="2000"/>
     </mc:Choice>
     <mc:Fallback>
-      <p:transition xmlns:p14="http://schemas.microsoft.com/office/powerpoint/2010/main" spd="slow"/>
+      <p:transition spd="slow"/>
     </mc:Fallback>
   </mc:AlternateContent>
   <p:timing>
     <p:tnLst>
       <p:par>
-        <p:cTn xmlns:p14="http://schemas.microsoft.com/office/powerpoint/2010/main" id="1" dur="indefinite" restart="never" nodeType="tmRoot"/>
+        <p:cTn id="1" dur="indefinite" restart="never" nodeType="tmRoot"/>
       </p:par>
     </p:tnLst>
   </p:timing>
@@ -31351,7 +31367,7 @@
           </a:ln>
           <a:extLst>
             <a:ext uri="{909E8E84-426E-40dd-AFC4-6F175D3DCCD1}">
-              <a14:hiddenFill xmlns:a14="http://schemas.microsoft.com/office/drawing/2010/main">
+              <a14:hiddenFill xmlns:a14="http://schemas.microsoft.com/office/drawing/2010/main" xmlns="">
                 <a:noFill/>
               </a14:hiddenFill>
             </a:ext>
@@ -31433,7 +31449,7 @@
           </a:ln>
           <a:extLst>
             <a:ext uri="{909E8E84-426E-40dd-AFC4-6F175D3DCCD1}">
-              <a14:hiddenFill xmlns:a14="http://schemas.microsoft.com/office/drawing/2010/main">
+              <a14:hiddenFill xmlns:a14="http://schemas.microsoft.com/office/drawing/2010/main" xmlns="">
                 <a:noFill/>
               </a14:hiddenFill>
             </a:ext>
@@ -31515,7 +31531,7 @@
           </a:ln>
           <a:extLst>
             <a:ext uri="{909E8E84-426E-40dd-AFC4-6F175D3DCCD1}">
-              <a14:hiddenFill xmlns:a14="http://schemas.microsoft.com/office/drawing/2010/main">
+              <a14:hiddenFill xmlns:a14="http://schemas.microsoft.com/office/drawing/2010/main" xmlns="">
                 <a:noFill/>
               </a14:hiddenFill>
             </a:ext>
@@ -31551,14 +31567,14 @@
           </a:ln>
           <a:extLst>
             <a:ext uri="{909E8E84-426E-40dd-AFC4-6F175D3DCCD1}">
-              <a14:hiddenFill xmlns:a14="http://schemas.microsoft.com/office/drawing/2010/main">
+              <a14:hiddenFill xmlns:a14="http://schemas.microsoft.com/office/drawing/2010/main" xmlns="">
                 <a:solidFill>
                   <a:srgbClr val="FFFFFF"/>
                 </a:solidFill>
               </a14:hiddenFill>
             </a:ext>
             <a:ext uri="{91240B29-F687-4f45-9708-019B960494DF}">
-              <a14:hiddenLine xmlns:a14="http://schemas.microsoft.com/office/drawing/2010/main" w="9525">
+              <a14:hiddenLine xmlns:a14="http://schemas.microsoft.com/office/drawing/2010/main" xmlns="" w="9525">
                 <a:solidFill>
                   <a:srgbClr val="000000"/>
                 </a:solidFill>
@@ -31711,14 +31727,14 @@
           </a:ln>
           <a:extLst>
             <a:ext uri="{909E8E84-426E-40dd-AFC4-6F175D3DCCD1}">
-              <a14:hiddenFill xmlns:a14="http://schemas.microsoft.com/office/drawing/2010/main">
+              <a14:hiddenFill xmlns:a14="http://schemas.microsoft.com/office/drawing/2010/main" xmlns="">
                 <a:solidFill>
                   <a:srgbClr val="FFFFFF"/>
                 </a:solidFill>
               </a14:hiddenFill>
             </a:ext>
             <a:ext uri="{91240B29-F687-4f45-9708-019B960494DF}">
-              <a14:hiddenLine xmlns:a14="http://schemas.microsoft.com/office/drawing/2010/main" w="9525">
+              <a14:hiddenLine xmlns:a14="http://schemas.microsoft.com/office/drawing/2010/main" xmlns="" w="9525">
                 <a:solidFill>
                   <a:srgbClr val="000000"/>
                 </a:solidFill>
@@ -31871,14 +31887,14 @@
           </a:ln>
           <a:extLst>
             <a:ext uri="{909E8E84-426E-40dd-AFC4-6F175D3DCCD1}">
-              <a14:hiddenFill xmlns:a14="http://schemas.microsoft.com/office/drawing/2010/main">
+              <a14:hiddenFill xmlns:a14="http://schemas.microsoft.com/office/drawing/2010/main" xmlns="">
                 <a:solidFill>
                   <a:srgbClr val="FFFFFF"/>
                 </a:solidFill>
               </a14:hiddenFill>
             </a:ext>
             <a:ext uri="{91240B29-F687-4f45-9708-019B960494DF}">
-              <a14:hiddenLine xmlns:a14="http://schemas.microsoft.com/office/drawing/2010/main" w="9525">
+              <a14:hiddenLine xmlns:a14="http://schemas.microsoft.com/office/drawing/2010/main" xmlns="" w="9525">
                 <a:solidFill>
                   <a:srgbClr val="000000"/>
                 </a:solidFill>
@@ -32031,14 +32047,14 @@
           </a:ln>
           <a:extLst>
             <a:ext uri="{909E8E84-426E-40dd-AFC4-6F175D3DCCD1}">
-              <a14:hiddenFill xmlns:a14="http://schemas.microsoft.com/office/drawing/2010/main">
+              <a14:hiddenFill xmlns:a14="http://schemas.microsoft.com/office/drawing/2010/main" xmlns="">
                 <a:solidFill>
                   <a:srgbClr val="FFFFFF"/>
                 </a:solidFill>
               </a14:hiddenFill>
             </a:ext>
             <a:ext uri="{91240B29-F687-4f45-9708-019B960494DF}">
-              <a14:hiddenLine xmlns:a14="http://schemas.microsoft.com/office/drawing/2010/main" w="9525">
+              <a14:hiddenLine xmlns:a14="http://schemas.microsoft.com/office/drawing/2010/main" xmlns="" w="9525">
                 <a:solidFill>
                   <a:srgbClr val="000000"/>
                 </a:solidFill>
@@ -32191,14 +32207,14 @@
           </a:ln>
           <a:extLst>
             <a:ext uri="{909E8E84-426E-40dd-AFC4-6F175D3DCCD1}">
-              <a14:hiddenFill xmlns:a14="http://schemas.microsoft.com/office/drawing/2010/main">
+              <a14:hiddenFill xmlns:a14="http://schemas.microsoft.com/office/drawing/2010/main" xmlns="">
                 <a:solidFill>
                   <a:srgbClr val="FFFFFF"/>
                 </a:solidFill>
               </a14:hiddenFill>
             </a:ext>
             <a:ext uri="{91240B29-F687-4f45-9708-019B960494DF}">
-              <a14:hiddenLine xmlns:a14="http://schemas.microsoft.com/office/drawing/2010/main" w="9525">
+              <a14:hiddenLine xmlns:a14="http://schemas.microsoft.com/office/drawing/2010/main" xmlns="" w="9525">
                 <a:solidFill>
                   <a:srgbClr val="000000"/>
                 </a:solidFill>
@@ -32351,14 +32367,14 @@
           </a:ln>
           <a:extLst>
             <a:ext uri="{909E8E84-426E-40dd-AFC4-6F175D3DCCD1}">
-              <a14:hiddenFill xmlns:a14="http://schemas.microsoft.com/office/drawing/2010/main">
+              <a14:hiddenFill xmlns:a14="http://schemas.microsoft.com/office/drawing/2010/main" xmlns="">
                 <a:solidFill>
                   <a:srgbClr val="FFFFFF"/>
                 </a:solidFill>
               </a14:hiddenFill>
             </a:ext>
             <a:ext uri="{91240B29-F687-4f45-9708-019B960494DF}">
-              <a14:hiddenLine xmlns:a14="http://schemas.microsoft.com/office/drawing/2010/main" w="9525">
+              <a14:hiddenLine xmlns:a14="http://schemas.microsoft.com/office/drawing/2010/main" xmlns="" w="9525">
                 <a:solidFill>
                   <a:srgbClr val="000000"/>
                 </a:solidFill>
@@ -32511,14 +32527,14 @@
           </a:ln>
           <a:extLst>
             <a:ext uri="{909E8E84-426E-40dd-AFC4-6F175D3DCCD1}">
-              <a14:hiddenFill xmlns:a14="http://schemas.microsoft.com/office/drawing/2010/main">
+              <a14:hiddenFill xmlns:a14="http://schemas.microsoft.com/office/drawing/2010/main" xmlns="">
                 <a:solidFill>
                   <a:srgbClr val="FFFFFF"/>
                 </a:solidFill>
               </a14:hiddenFill>
             </a:ext>
             <a:ext uri="{91240B29-F687-4f45-9708-019B960494DF}">
-              <a14:hiddenLine xmlns:a14="http://schemas.microsoft.com/office/drawing/2010/main" w="9525">
+              <a14:hiddenLine xmlns:a14="http://schemas.microsoft.com/office/drawing/2010/main" xmlns="" w="9525">
                 <a:solidFill>
                   <a:srgbClr val="000000"/>
                 </a:solidFill>
@@ -32664,13 +32680,13 @@
       <p:transition spd="slow" p14:dur="2000"/>
     </mc:Choice>
     <mc:Fallback>
-      <p:transition xmlns:p14="http://schemas.microsoft.com/office/powerpoint/2010/main" spd="slow"/>
+      <p:transition spd="slow"/>
     </mc:Fallback>
   </mc:AlternateContent>
   <p:timing>
     <p:tnLst>
       <p:par>
-        <p:cTn xmlns:p14="http://schemas.microsoft.com/office/powerpoint/2010/main" id="1" dur="indefinite" restart="never" nodeType="tmRoot"/>
+        <p:cTn id="1" dur="indefinite" restart="never" nodeType="tmRoot"/>
       </p:par>
     </p:tnLst>
   </p:timing>
@@ -32717,14 +32733,14 @@
           <a:effectLst/>
           <a:extLst>
             <a:ext uri="{909E8E84-426E-40dd-AFC4-6F175D3DCCD1}">
-              <a14:hiddenFill xmlns:a14="http://schemas.microsoft.com/office/drawing/2010/main">
+              <a14:hiddenFill xmlns:a14="http://schemas.microsoft.com/office/drawing/2010/main" xmlns="">
                 <a:solidFill>
                   <a:schemeClr val="accent1"/>
                 </a:solidFill>
               </a14:hiddenFill>
             </a:ext>
             <a:ext uri="{91240B29-F687-4f45-9708-019B960494DF}">
-              <a14:hiddenLine xmlns:a14="http://schemas.microsoft.com/office/drawing/2010/main" w="9525">
+              <a14:hiddenLine xmlns:a14="http://schemas.microsoft.com/office/drawing/2010/main" xmlns="" w="9525">
                 <a:solidFill>
                   <a:schemeClr val="tx1"/>
                 </a:solidFill>
@@ -32734,7 +32750,7 @@
               </a14:hiddenLine>
             </a:ext>
             <a:ext uri="{AF507438-7753-43e0-B8FC-AC1667EBCBE1}">
-              <a14:hiddenEffects xmlns:a14="http://schemas.microsoft.com/office/drawing/2010/main">
+              <a14:hiddenEffects xmlns:a14="http://schemas.microsoft.com/office/drawing/2010/main" xmlns="">
                 <a:effectLst>
                   <a:outerShdw blurRad="63500" dist="29783" dir="3885598" algn="ctr" rotWithShape="0">
                     <a:schemeClr val="bg2">
@@ -32815,7 +32831,7 @@
           <a:graphicData uri="http://schemas.openxmlformats.org/presentationml/2006/ole">
             <mc:AlternateContent xmlns:mc="http://schemas.openxmlformats.org/markup-compatibility/2006">
               <mc:Choice xmlns:v="urn:schemas-microsoft-com:vml" Requires="v">
-                <p:oleObj spid="_x0000_s323618" name="MS Org Chart" r:id="rId4" imgW="6311880" imgH="1663560" progId="OrgPlusWOPX.4">
+                <p:oleObj spid="_x0000_s323621" name="MS Org Chart" r:id="rId4" imgW="6311880" imgH="1663560" progId="OrgPlusWOPX.4">
                   <p:embed followColorScheme="full"/>
                 </p:oleObj>
               </mc:Choice>
@@ -32857,14 +32873,14 @@
                       </a:ln>
                       <a:extLst>
                         <a:ext uri="{909E8E84-426E-40dd-AFC4-6F175D3DCCD1}">
-                          <a14:hiddenFill xmlns:a14="http://schemas.microsoft.com/office/drawing/2010/main">
+                          <a14:hiddenFill xmlns:a14="http://schemas.microsoft.com/office/drawing/2010/main" xmlns="">
                             <a:solidFill>
                               <a:schemeClr val="accent1"/>
                             </a:solidFill>
                           </a14:hiddenFill>
                         </a:ext>
                         <a:ext uri="{91240B29-F687-4f45-9708-019B960494DF}">
-                          <a14:hiddenLine xmlns:a14="http://schemas.microsoft.com/office/drawing/2010/main" w="9525">
+                          <a14:hiddenLine xmlns:a14="http://schemas.microsoft.com/office/drawing/2010/main" xmlns="" w="9525">
                             <a:solidFill>
                               <a:schemeClr val="tx1"/>
                             </a:solidFill>
@@ -32912,7 +32928,7 @@
           <a:effectLst/>
           <a:extLst>
             <a:ext uri="{AF507438-7753-43e0-B8FC-AC1667EBCBE1}">
-              <a14:hiddenEffects xmlns:a14="http://schemas.microsoft.com/office/drawing/2010/main">
+              <a14:hiddenEffects xmlns:a14="http://schemas.microsoft.com/office/drawing/2010/main" xmlns="">
                 <a:effectLst>
                   <a:outerShdw blurRad="63500" dist="38099" dir="2700000" algn="ctr" rotWithShape="0">
                     <a:schemeClr val="bg2">
@@ -33000,7 +33016,7 @@
           <a:effectLst/>
           <a:extLst>
             <a:ext uri="{AF507438-7753-43e0-B8FC-AC1667EBCBE1}">
-              <a14:hiddenEffects xmlns:a14="http://schemas.microsoft.com/office/drawing/2010/main">
+              <a14:hiddenEffects xmlns:a14="http://schemas.microsoft.com/office/drawing/2010/main" xmlns="">
                 <a:effectLst>
                   <a:outerShdw blurRad="63500" dist="38099" dir="2700000" algn="ctr" rotWithShape="0">
                     <a:schemeClr val="bg2">
@@ -33043,14 +33059,14 @@
           <a:effectLst/>
           <a:extLst>
             <a:ext uri="{909E8E84-426E-40dd-AFC4-6F175D3DCCD1}">
-              <a14:hiddenFill xmlns:a14="http://schemas.microsoft.com/office/drawing/2010/main">
+              <a14:hiddenFill xmlns:a14="http://schemas.microsoft.com/office/drawing/2010/main" xmlns="">
                 <a:solidFill>
                   <a:schemeClr val="accent1"/>
                 </a:solidFill>
               </a14:hiddenFill>
             </a:ext>
             <a:ext uri="{91240B29-F687-4f45-9708-019B960494DF}">
-              <a14:hiddenLine xmlns:a14="http://schemas.microsoft.com/office/drawing/2010/main" w="9525">
+              <a14:hiddenLine xmlns:a14="http://schemas.microsoft.com/office/drawing/2010/main" xmlns="" w="9525">
                 <a:solidFill>
                   <a:schemeClr val="tx1"/>
                 </a:solidFill>
@@ -33060,7 +33076,7 @@
               </a14:hiddenLine>
             </a:ext>
             <a:ext uri="{AF507438-7753-43e0-B8FC-AC1667EBCBE1}">
-              <a14:hiddenEffects xmlns:a14="http://schemas.microsoft.com/office/drawing/2010/main">
+              <a14:hiddenEffects xmlns:a14="http://schemas.microsoft.com/office/drawing/2010/main" xmlns="">
                 <a:effectLst>
                   <a:outerShdw blurRad="63500" dist="38099" dir="2700000" algn="ctr" rotWithShape="0">
                     <a:schemeClr val="bg2">
@@ -33151,12 +33167,12 @@
           <a:effectLst/>
           <a:extLst>
             <a:ext uri="{909E8E84-426E-40dd-AFC4-6F175D3DCCD1}">
-              <a14:hiddenFill xmlns:a14="http://schemas.microsoft.com/office/drawing/2010/main">
+              <a14:hiddenFill xmlns:a14="http://schemas.microsoft.com/office/drawing/2010/main" xmlns="">
                 <a:noFill/>
               </a14:hiddenFill>
             </a:ext>
             <a:ext uri="{AF507438-7753-43e0-B8FC-AC1667EBCBE1}">
-              <a14:hiddenEffects xmlns:a14="http://schemas.microsoft.com/office/drawing/2010/main">
+              <a14:hiddenEffects xmlns:a14="http://schemas.microsoft.com/office/drawing/2010/main" xmlns="">
                 <a:effectLst>
                   <a:outerShdw blurRad="63500" dist="38099" dir="2700000" algn="ctr" rotWithShape="0">
                     <a:schemeClr val="bg2">
@@ -33204,12 +33220,12 @@
           <a:effectLst/>
           <a:extLst>
             <a:ext uri="{909E8E84-426E-40dd-AFC4-6F175D3DCCD1}">
-              <a14:hiddenFill xmlns:a14="http://schemas.microsoft.com/office/drawing/2010/main">
+              <a14:hiddenFill xmlns:a14="http://schemas.microsoft.com/office/drawing/2010/main" xmlns="">
                 <a:noFill/>
               </a14:hiddenFill>
             </a:ext>
             <a:ext uri="{AF507438-7753-43e0-B8FC-AC1667EBCBE1}">
-              <a14:hiddenEffects xmlns:a14="http://schemas.microsoft.com/office/drawing/2010/main">
+              <a14:hiddenEffects xmlns:a14="http://schemas.microsoft.com/office/drawing/2010/main" xmlns="">
                 <a:effectLst>
                   <a:outerShdw blurRad="63500" dist="38099" dir="2700000" algn="ctr" rotWithShape="0">
                     <a:schemeClr val="bg2">
@@ -33257,12 +33273,12 @@
           <a:effectLst/>
           <a:extLst>
             <a:ext uri="{909E8E84-426E-40dd-AFC4-6F175D3DCCD1}">
-              <a14:hiddenFill xmlns:a14="http://schemas.microsoft.com/office/drawing/2010/main">
+              <a14:hiddenFill xmlns:a14="http://schemas.microsoft.com/office/drawing/2010/main" xmlns="">
                 <a:noFill/>
               </a14:hiddenFill>
             </a:ext>
             <a:ext uri="{AF507438-7753-43e0-B8FC-AC1667EBCBE1}">
-              <a14:hiddenEffects xmlns:a14="http://schemas.microsoft.com/office/drawing/2010/main">
+              <a14:hiddenEffects xmlns:a14="http://schemas.microsoft.com/office/drawing/2010/main" xmlns="">
                 <a:effectLst>
                   <a:outerShdw blurRad="63500" dist="38099" dir="2700000" algn="ctr" rotWithShape="0">
                     <a:schemeClr val="bg2">
@@ -33312,7 +33328,7 @@
           <a:effectLst/>
           <a:extLst>
             <a:ext uri="{AF507438-7753-43e0-B8FC-AC1667EBCBE1}">
-              <a14:hiddenEffects xmlns:a14="http://schemas.microsoft.com/office/drawing/2010/main">
+              <a14:hiddenEffects xmlns:a14="http://schemas.microsoft.com/office/drawing/2010/main" xmlns="">
                 <a:effectLst>
                   <a:outerShdw blurRad="63500" dist="38099" dir="2700000" algn="ctr" rotWithShape="0">
                     <a:schemeClr val="bg2">
@@ -33376,12 +33392,12 @@
           <a:effectLst/>
           <a:extLst>
             <a:ext uri="{909E8E84-426E-40dd-AFC4-6F175D3DCCD1}">
-              <a14:hiddenFill xmlns:a14="http://schemas.microsoft.com/office/drawing/2010/main">
+              <a14:hiddenFill xmlns:a14="http://schemas.microsoft.com/office/drawing/2010/main" xmlns="">
                 <a:noFill/>
               </a14:hiddenFill>
             </a:ext>
             <a:ext uri="{AF507438-7753-43e0-B8FC-AC1667EBCBE1}">
-              <a14:hiddenEffects xmlns:a14="http://schemas.microsoft.com/office/drawing/2010/main">
+              <a14:hiddenEffects xmlns:a14="http://schemas.microsoft.com/office/drawing/2010/main" xmlns="">
                 <a:effectLst>
                   <a:outerShdw blurRad="63500" dist="38099" dir="2700000" algn="ctr" rotWithShape="0">
                     <a:schemeClr val="bg2">
@@ -33481,8 +33497,8 @@
               <a:rPr lang="en-US" dirty="0" smtClean="0"/>
             </a:br>
             <a:r>
-              <a:rPr lang="en-US" dirty="0" err="1" smtClean="0"/>
-              <a:t>Interpretatino</a:t>
+              <a:rPr lang="en-US" dirty="0" smtClean="0"/>
+              <a:t>Interpretation</a:t>
             </a:r>
             <a:endParaRPr lang="en-US" dirty="0"/>
           </a:p>
@@ -33501,7 +33517,7 @@
   <p:timing>
     <p:tnLst>
       <p:par>
-        <p:cTn xmlns:p14="http://schemas.microsoft.com/office/powerpoint/2010/main" id="1" dur="indefinite" restart="never" nodeType="tmRoot"/>
+        <p:cTn id="1" dur="indefinite" restart="never" nodeType="tmRoot"/>
       </p:par>
     </p:tnLst>
   </p:timing>
@@ -33620,7 +33636,7 @@
           <a:p>
             <a:fld id="{7053BEFA-1175-F644-B249-7D41D72BD3FF}" type="datetime1">
               <a:rPr lang="en-US" smtClean="0"/>
-              <a:t>6/13/16</a:t>
+              <a:t>4/15/17</a:t>
             </a:fld>
             <a:endParaRPr lang="en-US"/>
           </a:p>
@@ -33681,7 +33697,7 @@
   <p:timing>
     <p:tnLst>
       <p:par>
-        <p:cTn xmlns:p14="http://schemas.microsoft.com/office/powerpoint/2010/main" id="1" dur="indefinite" restart="never" nodeType="tmRoot"/>
+        <p:cTn id="1" dur="indefinite" restart="never" nodeType="tmRoot"/>
       </p:par>
     </p:tnLst>
   </p:timing>
@@ -33911,7 +33927,7 @@
   <p:timing>
     <p:tnLst>
       <p:par>
-        <p:cTn xmlns:p14="http://schemas.microsoft.com/office/powerpoint/2010/main" id="1" dur="indefinite" restart="never" nodeType="tmRoot"/>
+        <p:cTn id="1" dur="indefinite" restart="never" nodeType="tmRoot"/>
       </p:par>
     </p:tnLst>
   </p:timing>
@@ -34056,7 +34072,7 @@
   <p:timing>
     <p:tnLst>
       <p:par>
-        <p:cTn xmlns:p14="http://schemas.microsoft.com/office/powerpoint/2010/main" id="1" dur="indefinite" restart="never" nodeType="tmRoot"/>
+        <p:cTn id="1" dur="indefinite" restart="never" nodeType="tmRoot"/>
       </p:par>
     </p:tnLst>
   </p:timing>
@@ -34183,7 +34199,7 @@
           <a:noFill/>
           <a:extLst>
             <a:ext uri="{909E8E84-426E-40dd-AFC4-6F175D3DCCD1}">
-              <a14:hiddenFill xmlns:a14="http://schemas.microsoft.com/office/drawing/2010/main">
+              <a14:hiddenFill xmlns:a14="http://schemas.microsoft.com/office/drawing/2010/main" xmlns="">
                 <a:solidFill>
                   <a:srgbClr val="FFFFFF"/>
                 </a:solidFill>
@@ -34225,14 +34241,14 @@
           <a:ln/>
           <a:extLst>
             <a:ext uri="{909E8E84-426E-40dd-AFC4-6F175D3DCCD1}">
-              <a14:hiddenFill xmlns:a14="http://schemas.microsoft.com/office/drawing/2010/main">
+              <a14:hiddenFill xmlns:a14="http://schemas.microsoft.com/office/drawing/2010/main" xmlns="">
                 <a:solidFill>
                   <a:srgbClr val="FFFFFF"/>
                 </a:solidFill>
               </a14:hiddenFill>
             </a:ext>
             <a:ext uri="{91240B29-F687-4f45-9708-019B960494DF}">
-              <a14:hiddenLine xmlns:a14="http://schemas.microsoft.com/office/drawing/2010/main" w="9525">
+              <a14:hiddenLine xmlns:a14="http://schemas.microsoft.com/office/drawing/2010/main" xmlns="" w="9525">
                 <a:solidFill>
                   <a:srgbClr val="000000"/>
                 </a:solidFill>
@@ -34242,7 +34258,7 @@
               </a14:hiddenLine>
             </a:ext>
             <a:ext uri="{AF507438-7753-43e0-B8FC-AC1667EBCBE1}">
-              <a14:hiddenEffects xmlns:a14="http://schemas.microsoft.com/office/drawing/2010/main">
+              <a14:hiddenEffects xmlns:a14="http://schemas.microsoft.com/office/drawing/2010/main" xmlns="">
                 <a:effectLst>
                   <a:outerShdw blurRad="63500" dist="38099" dir="2700000" algn="ctr" rotWithShape="0">
                     <a:srgbClr val="808080">
@@ -34287,7 +34303,7 @@
           <a:noFill/>
           <a:extLst>
             <a:ext uri="{909E8E84-426E-40dd-AFC4-6F175D3DCCD1}">
-              <a14:hiddenFill xmlns:a14="http://schemas.microsoft.com/office/drawing/2010/main">
+              <a14:hiddenFill xmlns:a14="http://schemas.microsoft.com/office/drawing/2010/main" xmlns="">
                 <a:solidFill>
                   <a:srgbClr val="FFFFFF"/>
                 </a:solidFill>
@@ -34329,7 +34345,7 @@
           <a:effectLst/>
           <a:extLst>
             <a:ext uri="{AF507438-7753-43e0-B8FC-AC1667EBCBE1}">
-              <a14:hiddenEffects xmlns:a14="http://schemas.microsoft.com/office/drawing/2010/main">
+              <a14:hiddenEffects xmlns:a14="http://schemas.microsoft.com/office/drawing/2010/main" xmlns="">
                 <a:effectLst>
                   <a:outerShdw blurRad="63500" dist="38099" dir="2700000" algn="ctr" rotWithShape="0">
                     <a:schemeClr val="bg2">
@@ -34382,7 +34398,7 @@
           <a:effectLst/>
           <a:extLst>
             <a:ext uri="{AF507438-7753-43e0-B8FC-AC1667EBCBE1}">
-              <a14:hiddenEffects xmlns:a14="http://schemas.microsoft.com/office/drawing/2010/main">
+              <a14:hiddenEffects xmlns:a14="http://schemas.microsoft.com/office/drawing/2010/main" xmlns="">
                 <a:effectLst>
                   <a:outerShdw blurRad="63500" dist="38099" dir="2700000" algn="ctr" rotWithShape="0">
                     <a:schemeClr val="bg2">
@@ -34425,14 +34441,14 @@
           <a:effectLst/>
           <a:extLst>
             <a:ext uri="{909E8E84-426E-40dd-AFC4-6F175D3DCCD1}">
-              <a14:hiddenFill xmlns:a14="http://schemas.microsoft.com/office/drawing/2010/main">
+              <a14:hiddenFill xmlns:a14="http://schemas.microsoft.com/office/drawing/2010/main" xmlns="">
                 <a:solidFill>
                   <a:schemeClr val="accent1"/>
                 </a:solidFill>
               </a14:hiddenFill>
             </a:ext>
             <a:ext uri="{91240B29-F687-4f45-9708-019B960494DF}">
-              <a14:hiddenLine xmlns:a14="http://schemas.microsoft.com/office/drawing/2010/main" w="9525">
+              <a14:hiddenLine xmlns:a14="http://schemas.microsoft.com/office/drawing/2010/main" xmlns="" w="9525">
                 <a:solidFill>
                   <a:schemeClr val="tx1"/>
                 </a:solidFill>
@@ -34442,7 +34458,7 @@
               </a14:hiddenLine>
             </a:ext>
             <a:ext uri="{AF507438-7753-43e0-B8FC-AC1667EBCBE1}">
-              <a14:hiddenEffects xmlns:a14="http://schemas.microsoft.com/office/drawing/2010/main">
+              <a14:hiddenEffects xmlns:a14="http://schemas.microsoft.com/office/drawing/2010/main" xmlns="">
                 <a:effectLst>
                   <a:outerShdw blurRad="63500" dist="38099" dir="2700000" algn="ctr" rotWithShape="0">
                     <a:schemeClr val="bg2">
@@ -34490,14 +34506,14 @@
           <a:effectLst/>
           <a:extLst>
             <a:ext uri="{909E8E84-426E-40dd-AFC4-6F175D3DCCD1}">
-              <a14:hiddenFill xmlns:a14="http://schemas.microsoft.com/office/drawing/2010/main">
+              <a14:hiddenFill xmlns:a14="http://schemas.microsoft.com/office/drawing/2010/main" xmlns="">
                 <a:solidFill>
                   <a:schemeClr val="accent1"/>
                 </a:solidFill>
               </a14:hiddenFill>
             </a:ext>
             <a:ext uri="{91240B29-F687-4f45-9708-019B960494DF}">
-              <a14:hiddenLine xmlns:a14="http://schemas.microsoft.com/office/drawing/2010/main" w="9525">
+              <a14:hiddenLine xmlns:a14="http://schemas.microsoft.com/office/drawing/2010/main" xmlns="" w="9525">
                 <a:solidFill>
                   <a:schemeClr val="tx1"/>
                 </a:solidFill>
@@ -34507,7 +34523,7 @@
               </a14:hiddenLine>
             </a:ext>
             <a:ext uri="{AF507438-7753-43e0-B8FC-AC1667EBCBE1}">
-              <a14:hiddenEffects xmlns:a14="http://schemas.microsoft.com/office/drawing/2010/main">
+              <a14:hiddenEffects xmlns:a14="http://schemas.microsoft.com/office/drawing/2010/main" xmlns="">
                 <a:effectLst>
                   <a:outerShdw blurRad="63500" dist="38099" dir="2700000" algn="ctr" rotWithShape="0">
                     <a:schemeClr val="bg2">
@@ -34555,14 +34571,14 @@
           <a:effectLst/>
           <a:extLst>
             <a:ext uri="{909E8E84-426E-40dd-AFC4-6F175D3DCCD1}">
-              <a14:hiddenFill xmlns:a14="http://schemas.microsoft.com/office/drawing/2010/main">
+              <a14:hiddenFill xmlns:a14="http://schemas.microsoft.com/office/drawing/2010/main" xmlns="">
                 <a:solidFill>
                   <a:schemeClr val="accent1"/>
                 </a:solidFill>
               </a14:hiddenFill>
             </a:ext>
             <a:ext uri="{91240B29-F687-4f45-9708-019B960494DF}">
-              <a14:hiddenLine xmlns:a14="http://schemas.microsoft.com/office/drawing/2010/main" w="9525">
+              <a14:hiddenLine xmlns:a14="http://schemas.microsoft.com/office/drawing/2010/main" xmlns="" w="9525">
                 <a:solidFill>
                   <a:schemeClr val="tx1"/>
                 </a:solidFill>
@@ -34572,7 +34588,7 @@
               </a14:hiddenLine>
             </a:ext>
             <a:ext uri="{AF507438-7753-43e0-B8FC-AC1667EBCBE1}">
-              <a14:hiddenEffects xmlns:a14="http://schemas.microsoft.com/office/drawing/2010/main">
+              <a14:hiddenEffects xmlns:a14="http://schemas.microsoft.com/office/drawing/2010/main" xmlns="">
                 <a:effectLst>
                   <a:outerShdw blurRad="63500" dist="38099" dir="2700000" algn="ctr" rotWithShape="0">
                     <a:schemeClr val="bg2">
@@ -34637,11 +34653,11 @@
   <p:clrMapOvr>
     <a:masterClrMapping/>
   </p:clrMapOvr>
-  <p:transition xmlns:p14="http://schemas.microsoft.com/office/powerpoint/2010/main" advTm="16"/>
+  <p:transition advTm="16"/>
   <p:timing>
     <p:tnLst>
       <p:par>
-        <p:cTn xmlns:p14="http://schemas.microsoft.com/office/powerpoint/2010/main" id="1" dur="indefinite" restart="never" nodeType="tmRoot"/>
+        <p:cTn id="1" dur="indefinite" restart="never" nodeType="tmRoot"/>
       </p:par>
     </p:tnLst>
   </p:timing>
